--- a/Main/Docs/ArchiCop.pptx
+++ b/Main/Docs/ArchiCop.pptx
@@ -6,17 +6,19 @@
   </p:sldMasterIdLst>
   <p:sldIdLst>
     <p:sldId id="262" r:id="rId2"/>
-    <p:sldId id="256" r:id="rId3"/>
-    <p:sldId id="257" r:id="rId4"/>
-    <p:sldId id="258" r:id="rId5"/>
-    <p:sldId id="259" r:id="rId6"/>
-    <p:sldId id="260" r:id="rId7"/>
-    <p:sldId id="261" r:id="rId8"/>
+    <p:sldId id="263" r:id="rId3"/>
+    <p:sldId id="264" r:id="rId4"/>
+    <p:sldId id="256" r:id="rId5"/>
+    <p:sldId id="257" r:id="rId6"/>
+    <p:sldId id="258" r:id="rId7"/>
+    <p:sldId id="259" r:id="rId8"/>
+    <p:sldId id="260" r:id="rId9"/>
+    <p:sldId id="261" r:id="rId10"/>
   </p:sldIdLst>
   <p:sldSz cx="9144000" cy="6858000" type="screen4x3"/>
   <p:notesSz cx="6858000" cy="9144000"/>
   <p:custDataLst>
-    <p:tags r:id="rId9"/>
+    <p:tags r:id="rId11"/>
   </p:custDataLst>
   <p:defaultTextStyle>
     <a:defPPr>
@@ -298,7 +300,7 @@
             <a:fld id="{D3CA87D5-E552-1242-ABAE-E7CF696528E6}" type="datetimeFigureOut">
               <a:rPr lang="en-US" smtClean="0"/>
               <a:pPr/>
-              <a:t>1/17/2013</a:t>
+              <a:t>1/24/2013</a:t>
             </a:fld>
             <a:endParaRPr lang="en-US"/>
           </a:p>
@@ -465,7 +467,7 @@
             <a:fld id="{D3CA87D5-E552-1242-ABAE-E7CF696528E6}" type="datetimeFigureOut">
               <a:rPr lang="en-US" smtClean="0"/>
               <a:pPr/>
-              <a:t>1/17/2013</a:t>
+              <a:t>1/24/2013</a:t>
             </a:fld>
             <a:endParaRPr lang="en-US"/>
           </a:p>
@@ -642,7 +644,7 @@
             <a:fld id="{D3CA87D5-E552-1242-ABAE-E7CF696528E6}" type="datetimeFigureOut">
               <a:rPr lang="en-US" smtClean="0"/>
               <a:pPr/>
-              <a:t>1/17/2013</a:t>
+              <a:t>1/24/2013</a:t>
             </a:fld>
             <a:endParaRPr lang="en-US"/>
           </a:p>
@@ -809,7 +811,7 @@
             <a:fld id="{D3CA87D5-E552-1242-ABAE-E7CF696528E6}" type="datetimeFigureOut">
               <a:rPr lang="en-US" smtClean="0"/>
               <a:pPr/>
-              <a:t>1/17/2013</a:t>
+              <a:t>1/24/2013</a:t>
             </a:fld>
             <a:endParaRPr lang="en-US"/>
           </a:p>
@@ -1052,7 +1054,7 @@
             <a:fld id="{D3CA87D5-E552-1242-ABAE-E7CF696528E6}" type="datetimeFigureOut">
               <a:rPr lang="en-US" smtClean="0"/>
               <a:pPr/>
-              <a:t>1/17/2013</a:t>
+              <a:t>1/24/2013</a:t>
             </a:fld>
             <a:endParaRPr lang="en-US"/>
           </a:p>
@@ -1337,7 +1339,7 @@
             <a:fld id="{D3CA87D5-E552-1242-ABAE-E7CF696528E6}" type="datetimeFigureOut">
               <a:rPr lang="en-US" smtClean="0"/>
               <a:pPr/>
-              <a:t>1/17/2013</a:t>
+              <a:t>1/24/2013</a:t>
             </a:fld>
             <a:endParaRPr lang="en-US"/>
           </a:p>
@@ -1756,7 +1758,7 @@
             <a:fld id="{D3CA87D5-E552-1242-ABAE-E7CF696528E6}" type="datetimeFigureOut">
               <a:rPr lang="en-US" smtClean="0"/>
               <a:pPr/>
-              <a:t>1/17/2013</a:t>
+              <a:t>1/24/2013</a:t>
             </a:fld>
             <a:endParaRPr lang="en-US"/>
           </a:p>
@@ -1871,7 +1873,7 @@
             <a:fld id="{D3CA87D5-E552-1242-ABAE-E7CF696528E6}" type="datetimeFigureOut">
               <a:rPr lang="en-US" smtClean="0"/>
               <a:pPr/>
-              <a:t>1/17/2013</a:t>
+              <a:t>1/24/2013</a:t>
             </a:fld>
             <a:endParaRPr lang="en-US"/>
           </a:p>
@@ -1963,7 +1965,7 @@
             <a:fld id="{D3CA87D5-E552-1242-ABAE-E7CF696528E6}" type="datetimeFigureOut">
               <a:rPr lang="en-US" smtClean="0"/>
               <a:pPr/>
-              <a:t>1/17/2013</a:t>
+              <a:t>1/24/2013</a:t>
             </a:fld>
             <a:endParaRPr lang="en-US"/>
           </a:p>
@@ -2237,7 +2239,7 @@
             <a:fld id="{D3CA87D5-E552-1242-ABAE-E7CF696528E6}" type="datetimeFigureOut">
               <a:rPr lang="en-US" smtClean="0"/>
               <a:pPr/>
-              <a:t>1/17/2013</a:t>
+              <a:t>1/24/2013</a:t>
             </a:fld>
             <a:endParaRPr lang="en-US"/>
           </a:p>
@@ -2487,7 +2489,7 @@
             <a:fld id="{D3CA87D5-E552-1242-ABAE-E7CF696528E6}" type="datetimeFigureOut">
               <a:rPr lang="en-US" smtClean="0"/>
               <a:pPr/>
-              <a:t>1/17/2013</a:t>
+              <a:t>1/24/2013</a:t>
             </a:fld>
             <a:endParaRPr lang="en-US"/>
           </a:p>
@@ -2697,7 +2699,7 @@
             <a:fld id="{D3CA87D5-E552-1242-ABAE-E7CF696528E6}" type="datetimeFigureOut">
               <a:rPr lang="en-US" smtClean="0"/>
               <a:pPr/>
-              <a:t>1/17/2013</a:t>
+              <a:t>1/24/2013</a:t>
             </a:fld>
             <a:endParaRPr lang="en-US"/>
           </a:p>
@@ -3439,6 +3441,1123 @@
           <a:chExt cx="0" cy="0"/>
         </a:xfrm>
       </p:grpSpPr>
+      <p:sp>
+        <p:nvSpPr>
+          <p:cNvPr id="2" name="Rounded Rectangle 1"/>
+          <p:cNvSpPr/>
+          <p:nvPr/>
+        </p:nvSpPr>
+        <p:spPr>
+          <a:xfrm>
+            <a:off x="251520" y="1519808"/>
+            <a:ext cx="2016224" cy="1800200"/>
+          </a:xfrm>
+          <a:prstGeom prst="roundRect">
+            <a:avLst/>
+          </a:prstGeom>
+          <a:solidFill>
+            <a:schemeClr val="accent2">
+              <a:lumMod val="20000"/>
+              <a:lumOff val="80000"/>
+            </a:schemeClr>
+          </a:solidFill>
+          <a:ln w="38100" cap="flat" cmpd="sng" algn="ctr">
+            <a:solidFill>
+              <a:schemeClr val="tx1"/>
+            </a:solidFill>
+            <a:prstDash val="solid"/>
+            <a:round/>
+            <a:headEnd type="none" w="med" len="med"/>
+            <a:tailEnd w="med" len="med"/>
+          </a:ln>
+          <a:effectLst/>
+        </p:spPr>
+        <p:style>
+          <a:lnRef idx="1">
+            <a:schemeClr val="accent1"/>
+          </a:lnRef>
+          <a:fillRef idx="3">
+            <a:schemeClr val="accent1"/>
+          </a:fillRef>
+          <a:effectRef idx="2">
+            <a:schemeClr val="accent1"/>
+          </a:effectRef>
+          <a:fontRef idx="minor">
+            <a:schemeClr val="lt1"/>
+          </a:fontRef>
+        </p:style>
+        <p:txBody>
+          <a:bodyPr rtlCol="0" anchor="t"/>
+          <a:lstStyle/>
+          <a:p>
+            <a:pPr algn="ctr"/>
+            <a:r>
+              <a:rPr lang="en-US" dirty="0" err="1" smtClean="0">
+                <a:solidFill>
+                  <a:schemeClr val="tx1"/>
+                </a:solidFill>
+              </a:rPr>
+              <a:t>ArchiCop.Dll</a:t>
+            </a:r>
+            <a:endParaRPr lang="en-US" dirty="0">
+              <a:solidFill>
+                <a:schemeClr val="tx1"/>
+              </a:solidFill>
+            </a:endParaRPr>
+          </a:p>
+        </p:txBody>
+      </p:sp>
+      <p:sp>
+        <p:nvSpPr>
+          <p:cNvPr id="3" name="Rounded Rectangle 2"/>
+          <p:cNvSpPr/>
+          <p:nvPr/>
+        </p:nvSpPr>
+        <p:spPr>
+          <a:xfrm>
+            <a:off x="251520" y="4221088"/>
+            <a:ext cx="2016224" cy="1800200"/>
+          </a:xfrm>
+          <a:prstGeom prst="roundRect">
+            <a:avLst/>
+          </a:prstGeom>
+          <a:solidFill>
+            <a:schemeClr val="accent5">
+              <a:lumMod val="20000"/>
+              <a:lumOff val="80000"/>
+            </a:schemeClr>
+          </a:solidFill>
+          <a:ln w="38100" cap="flat" cmpd="sng" algn="ctr">
+            <a:solidFill>
+              <a:schemeClr val="tx1"/>
+            </a:solidFill>
+            <a:prstDash val="solid"/>
+            <a:round/>
+            <a:headEnd type="none" w="med" len="med"/>
+            <a:tailEnd w="med" len="med"/>
+          </a:ln>
+          <a:effectLst/>
+        </p:spPr>
+        <p:style>
+          <a:lnRef idx="1">
+            <a:schemeClr val="accent1"/>
+          </a:lnRef>
+          <a:fillRef idx="3">
+            <a:schemeClr val="accent1"/>
+          </a:fillRef>
+          <a:effectRef idx="2">
+            <a:schemeClr val="accent1"/>
+          </a:effectRef>
+          <a:fontRef idx="minor">
+            <a:schemeClr val="lt1"/>
+          </a:fontRef>
+        </p:style>
+        <p:txBody>
+          <a:bodyPr rtlCol="0" anchor="t"/>
+          <a:lstStyle/>
+          <a:p>
+            <a:pPr algn="ctr"/>
+            <a:r>
+              <a:rPr lang="en-US" dirty="0" err="1" smtClean="0">
+                <a:solidFill>
+                  <a:schemeClr val="tx1"/>
+                </a:solidFill>
+              </a:rPr>
+              <a:t>ArchiCopCore.Dll</a:t>
+            </a:r>
+            <a:endParaRPr lang="en-US" dirty="0">
+              <a:solidFill>
+                <a:schemeClr val="tx1"/>
+              </a:solidFill>
+            </a:endParaRPr>
+          </a:p>
+        </p:txBody>
+      </p:sp>
+      <p:cxnSp>
+        <p:nvCxnSpPr>
+          <p:cNvPr id="4" name="Straight Arrow Connector 3"/>
+          <p:cNvCxnSpPr>
+            <a:stCxn id="2" idx="2"/>
+            <a:endCxn id="3" idx="0"/>
+          </p:cNvCxnSpPr>
+          <p:nvPr/>
+        </p:nvCxnSpPr>
+        <p:spPr>
+          <a:xfrm>
+            <a:off x="1259632" y="3320008"/>
+            <a:ext cx="0" cy="901080"/>
+          </a:xfrm>
+          <a:prstGeom prst="straightConnector1">
+            <a:avLst/>
+          </a:prstGeom>
+          <a:ln w="38100" cap="flat" cmpd="sng" algn="ctr">
+            <a:solidFill>
+              <a:schemeClr val="tx1"/>
+            </a:solidFill>
+            <a:prstDash val="solid"/>
+            <a:round/>
+            <a:headEnd type="none" w="med" len="med"/>
+            <a:tailEnd type="arrow" w="med" len="med"/>
+          </a:ln>
+          <a:effectLst/>
+        </p:spPr>
+        <p:style>
+          <a:lnRef idx="2">
+            <a:schemeClr val="accent1"/>
+          </a:lnRef>
+          <a:fillRef idx="0">
+            <a:schemeClr val="accent1"/>
+          </a:fillRef>
+          <a:effectRef idx="1">
+            <a:schemeClr val="accent1"/>
+          </a:effectRef>
+          <a:fontRef idx="minor">
+            <a:schemeClr val="tx1"/>
+          </a:fontRef>
+        </p:style>
+      </p:cxnSp>
+      <p:sp>
+        <p:nvSpPr>
+          <p:cNvPr id="5" name="Rounded Rectangle 4"/>
+          <p:cNvSpPr/>
+          <p:nvPr/>
+        </p:nvSpPr>
+        <p:spPr>
+          <a:xfrm>
+            <a:off x="3059832" y="1052736"/>
+            <a:ext cx="2808312" cy="4536504"/>
+          </a:xfrm>
+          <a:prstGeom prst="roundRect">
+            <a:avLst/>
+          </a:prstGeom>
+          <a:solidFill>
+            <a:schemeClr val="accent2">
+              <a:lumMod val="20000"/>
+              <a:lumOff val="80000"/>
+            </a:schemeClr>
+          </a:solidFill>
+          <a:ln w="38100" cap="flat" cmpd="sng" algn="ctr">
+            <a:solidFill>
+              <a:schemeClr val="tx1"/>
+            </a:solidFill>
+            <a:prstDash val="solid"/>
+            <a:round/>
+            <a:headEnd type="none" w="med" len="med"/>
+            <a:tailEnd w="med" len="med"/>
+          </a:ln>
+          <a:effectLst/>
+        </p:spPr>
+        <p:style>
+          <a:lnRef idx="1">
+            <a:schemeClr val="accent1"/>
+          </a:lnRef>
+          <a:fillRef idx="3">
+            <a:schemeClr val="accent1"/>
+          </a:fillRef>
+          <a:effectRef idx="2">
+            <a:schemeClr val="accent1"/>
+          </a:effectRef>
+          <a:fontRef idx="minor">
+            <a:schemeClr val="lt1"/>
+          </a:fontRef>
+        </p:style>
+        <p:txBody>
+          <a:bodyPr rtlCol="0" anchor="t"/>
+          <a:lstStyle/>
+          <a:p>
+            <a:pPr algn="ctr"/>
+            <a:r>
+              <a:rPr lang="en-US" dirty="0" err="1" smtClean="0">
+                <a:solidFill>
+                  <a:schemeClr val="tx1"/>
+                </a:solidFill>
+              </a:rPr>
+              <a:t>ArchiCop</a:t>
+            </a:r>
+            <a:endParaRPr lang="en-US" dirty="0">
+              <a:solidFill>
+                <a:schemeClr val="tx1"/>
+              </a:solidFill>
+            </a:endParaRPr>
+          </a:p>
+        </p:txBody>
+      </p:sp>
+      <p:sp>
+        <p:nvSpPr>
+          <p:cNvPr id="6" name="Rounded Rectangle 5"/>
+          <p:cNvSpPr/>
+          <p:nvPr/>
+        </p:nvSpPr>
+        <p:spPr>
+          <a:xfrm>
+            <a:off x="3491880" y="1854932"/>
+            <a:ext cx="1905000" cy="639688"/>
+          </a:xfrm>
+          <a:prstGeom prst="roundRect">
+            <a:avLst/>
+          </a:prstGeom>
+          <a:solidFill>
+            <a:schemeClr val="accent2">
+              <a:lumMod val="20000"/>
+              <a:lumOff val="80000"/>
+            </a:schemeClr>
+          </a:solidFill>
+          <a:ln w="38100" cap="flat" cmpd="sng" algn="ctr">
+            <a:solidFill>
+              <a:schemeClr val="tx1"/>
+            </a:solidFill>
+            <a:prstDash val="solid"/>
+            <a:round/>
+            <a:headEnd type="none" w="med" len="med"/>
+            <a:tailEnd w="med" len="med"/>
+          </a:ln>
+          <a:effectLst/>
+        </p:spPr>
+        <p:style>
+          <a:lnRef idx="1">
+            <a:schemeClr val="accent1"/>
+          </a:lnRef>
+          <a:fillRef idx="3">
+            <a:schemeClr val="accent1"/>
+          </a:fillRef>
+          <a:effectRef idx="2">
+            <a:schemeClr val="accent1"/>
+          </a:effectRef>
+          <a:fontRef idx="minor">
+            <a:schemeClr val="lt1"/>
+          </a:fontRef>
+        </p:style>
+        <p:txBody>
+          <a:bodyPr rtlCol="0" anchor="t"/>
+          <a:lstStyle/>
+          <a:p>
+            <a:pPr algn="ctr"/>
+            <a:r>
+              <a:rPr lang="en-US" dirty="0" smtClean="0">
+                <a:solidFill>
+                  <a:schemeClr val="tx1"/>
+                </a:solidFill>
+              </a:rPr>
+              <a:t>View</a:t>
+            </a:r>
+            <a:endParaRPr lang="en-US" dirty="0">
+              <a:solidFill>
+                <a:schemeClr val="tx1"/>
+              </a:solidFill>
+            </a:endParaRPr>
+          </a:p>
+        </p:txBody>
+      </p:sp>
+      <p:sp>
+        <p:nvSpPr>
+          <p:cNvPr id="7" name="Rounded Rectangle 6"/>
+          <p:cNvSpPr/>
+          <p:nvPr/>
+        </p:nvSpPr>
+        <p:spPr>
+          <a:xfrm>
+            <a:off x="3491880" y="2780928"/>
+            <a:ext cx="1905000" cy="639688"/>
+          </a:xfrm>
+          <a:prstGeom prst="roundRect">
+            <a:avLst/>
+          </a:prstGeom>
+          <a:solidFill>
+            <a:schemeClr val="accent2">
+              <a:lumMod val="20000"/>
+              <a:lumOff val="80000"/>
+            </a:schemeClr>
+          </a:solidFill>
+          <a:ln w="38100" cap="flat" cmpd="sng" algn="ctr">
+            <a:solidFill>
+              <a:schemeClr val="tx1"/>
+            </a:solidFill>
+            <a:prstDash val="solid"/>
+            <a:round/>
+            <a:headEnd type="none" w="med" len="med"/>
+            <a:tailEnd w="med" len="med"/>
+          </a:ln>
+          <a:effectLst/>
+        </p:spPr>
+        <p:style>
+          <a:lnRef idx="1">
+            <a:schemeClr val="accent1"/>
+          </a:lnRef>
+          <a:fillRef idx="3">
+            <a:schemeClr val="accent1"/>
+          </a:fillRef>
+          <a:effectRef idx="2">
+            <a:schemeClr val="accent1"/>
+          </a:effectRef>
+          <a:fontRef idx="minor">
+            <a:schemeClr val="lt1"/>
+          </a:fontRef>
+        </p:style>
+        <p:txBody>
+          <a:bodyPr rtlCol="0" anchor="t"/>
+          <a:lstStyle/>
+          <a:p>
+            <a:pPr algn="ctr"/>
+            <a:r>
+              <a:rPr lang="en-US" dirty="0" err="1" smtClean="0">
+                <a:solidFill>
+                  <a:schemeClr val="tx1"/>
+                </a:solidFill>
+              </a:rPr>
+              <a:t>ViewModel</a:t>
+            </a:r>
+            <a:endParaRPr lang="en-US" dirty="0">
+              <a:solidFill>
+                <a:schemeClr val="tx1"/>
+              </a:solidFill>
+            </a:endParaRPr>
+          </a:p>
+        </p:txBody>
+      </p:sp>
+      <p:sp>
+        <p:nvSpPr>
+          <p:cNvPr id="8" name="Rounded Rectangle 7"/>
+          <p:cNvSpPr/>
+          <p:nvPr/>
+        </p:nvSpPr>
+        <p:spPr>
+          <a:xfrm>
+            <a:off x="3491880" y="3645024"/>
+            <a:ext cx="1905000" cy="639688"/>
+          </a:xfrm>
+          <a:prstGeom prst="roundRect">
+            <a:avLst/>
+          </a:prstGeom>
+          <a:solidFill>
+            <a:schemeClr val="accent5">
+              <a:lumMod val="20000"/>
+              <a:lumOff val="80000"/>
+            </a:schemeClr>
+          </a:solidFill>
+          <a:ln w="38100" cap="flat" cmpd="sng" algn="ctr">
+            <a:solidFill>
+              <a:schemeClr val="tx1"/>
+            </a:solidFill>
+            <a:prstDash val="solid"/>
+            <a:round/>
+            <a:headEnd type="none" w="med" len="med"/>
+            <a:tailEnd w="med" len="med"/>
+          </a:ln>
+          <a:effectLst/>
+        </p:spPr>
+        <p:style>
+          <a:lnRef idx="1">
+            <a:schemeClr val="accent1"/>
+          </a:lnRef>
+          <a:fillRef idx="3">
+            <a:schemeClr val="accent1"/>
+          </a:fillRef>
+          <a:effectRef idx="2">
+            <a:schemeClr val="accent1"/>
+          </a:effectRef>
+          <a:fontRef idx="minor">
+            <a:schemeClr val="lt1"/>
+          </a:fontRef>
+        </p:style>
+        <p:txBody>
+          <a:bodyPr rtlCol="0" anchor="t"/>
+          <a:lstStyle/>
+          <a:p>
+            <a:pPr algn="ctr"/>
+            <a:r>
+              <a:rPr lang="en-US" dirty="0">
+                <a:solidFill>
+                  <a:schemeClr val="tx1"/>
+                </a:solidFill>
+              </a:rPr>
+              <a:t>Core</a:t>
+            </a:r>
+          </a:p>
+        </p:txBody>
+      </p:sp>
+      <p:sp>
+        <p:nvSpPr>
+          <p:cNvPr id="9" name="Rounded Rectangle 8"/>
+          <p:cNvSpPr/>
+          <p:nvPr/>
+        </p:nvSpPr>
+        <p:spPr>
+          <a:xfrm>
+            <a:off x="3491880" y="4509120"/>
+            <a:ext cx="1905000" cy="639688"/>
+          </a:xfrm>
+          <a:prstGeom prst="roundRect">
+            <a:avLst/>
+          </a:prstGeom>
+          <a:solidFill>
+            <a:schemeClr val="accent5">
+              <a:lumMod val="20000"/>
+              <a:lumOff val="80000"/>
+            </a:schemeClr>
+          </a:solidFill>
+          <a:ln w="38100" cap="flat" cmpd="sng" algn="ctr">
+            <a:solidFill>
+              <a:schemeClr val="tx1"/>
+            </a:solidFill>
+            <a:prstDash val="solid"/>
+            <a:round/>
+            <a:headEnd type="none" w="med" len="med"/>
+            <a:tailEnd w="med" len="med"/>
+          </a:ln>
+          <a:effectLst/>
+        </p:spPr>
+        <p:style>
+          <a:lnRef idx="1">
+            <a:schemeClr val="accent1"/>
+          </a:lnRef>
+          <a:fillRef idx="3">
+            <a:schemeClr val="accent1"/>
+          </a:fillRef>
+          <a:effectRef idx="2">
+            <a:schemeClr val="accent1"/>
+          </a:effectRef>
+          <a:fontRef idx="minor">
+            <a:schemeClr val="lt1"/>
+          </a:fontRef>
+        </p:style>
+        <p:txBody>
+          <a:bodyPr rtlCol="0" anchor="t"/>
+          <a:lstStyle/>
+          <a:p>
+            <a:pPr algn="ctr"/>
+            <a:r>
+              <a:rPr lang="en-US" dirty="0" smtClean="0">
+                <a:solidFill>
+                  <a:schemeClr val="tx1"/>
+                </a:solidFill>
+              </a:rPr>
+              <a:t>Data</a:t>
+            </a:r>
+            <a:endParaRPr lang="en-US" dirty="0">
+              <a:solidFill>
+                <a:schemeClr val="tx1"/>
+              </a:solidFill>
+            </a:endParaRPr>
+          </a:p>
+        </p:txBody>
+      </p:sp>
+      <p:sp>
+        <p:nvSpPr>
+          <p:cNvPr id="10" name="Rounded Rectangle 9"/>
+          <p:cNvSpPr/>
+          <p:nvPr/>
+        </p:nvSpPr>
+        <p:spPr>
+          <a:xfrm>
+            <a:off x="6424600" y="1052736"/>
+            <a:ext cx="2448272" cy="639688"/>
+          </a:xfrm>
+          <a:prstGeom prst="roundRect">
+            <a:avLst/>
+          </a:prstGeom>
+          <a:solidFill>
+            <a:schemeClr val="accent2">
+              <a:lumMod val="20000"/>
+              <a:lumOff val="80000"/>
+            </a:schemeClr>
+          </a:solidFill>
+          <a:ln w="38100" cap="flat" cmpd="sng" algn="ctr">
+            <a:solidFill>
+              <a:schemeClr val="tx1"/>
+            </a:solidFill>
+            <a:prstDash val="solid"/>
+            <a:round/>
+            <a:headEnd type="none" w="med" len="med"/>
+            <a:tailEnd w="med" len="med"/>
+          </a:ln>
+          <a:effectLst/>
+        </p:spPr>
+        <p:style>
+          <a:lnRef idx="1">
+            <a:schemeClr val="accent1"/>
+          </a:lnRef>
+          <a:fillRef idx="3">
+            <a:schemeClr val="accent1"/>
+          </a:fillRef>
+          <a:effectRef idx="2">
+            <a:schemeClr val="accent1"/>
+          </a:effectRef>
+          <a:fontRef idx="minor">
+            <a:schemeClr val="lt1"/>
+          </a:fontRef>
+        </p:style>
+        <p:txBody>
+          <a:bodyPr rtlCol="0" anchor="ctr"/>
+          <a:lstStyle/>
+          <a:p>
+            <a:pPr algn="ctr"/>
+            <a:r>
+              <a:rPr lang="en-US" dirty="0" smtClean="0">
+                <a:solidFill>
+                  <a:schemeClr val="tx1"/>
+                </a:solidFill>
+              </a:rPr>
+              <a:t>User Interface</a:t>
+            </a:r>
+            <a:endParaRPr lang="en-US" dirty="0">
+              <a:solidFill>
+                <a:schemeClr val="tx1"/>
+              </a:solidFill>
+            </a:endParaRPr>
+          </a:p>
+        </p:txBody>
+      </p:sp>
+      <p:sp>
+        <p:nvSpPr>
+          <p:cNvPr id="11" name="Rounded Rectangle 10"/>
+          <p:cNvSpPr/>
+          <p:nvPr/>
+        </p:nvSpPr>
+        <p:spPr>
+          <a:xfrm>
+            <a:off x="6440287" y="2213248"/>
+            <a:ext cx="1119943" cy="639688"/>
+          </a:xfrm>
+          <a:prstGeom prst="roundRect">
+            <a:avLst/>
+          </a:prstGeom>
+          <a:solidFill>
+            <a:schemeClr val="accent5">
+              <a:lumMod val="20000"/>
+              <a:lumOff val="80000"/>
+            </a:schemeClr>
+          </a:solidFill>
+          <a:ln w="38100" cap="flat" cmpd="sng" algn="ctr">
+            <a:solidFill>
+              <a:schemeClr val="tx1"/>
+            </a:solidFill>
+            <a:prstDash val="solid"/>
+            <a:round/>
+            <a:headEnd type="none" w="med" len="med"/>
+            <a:tailEnd w="med" len="med"/>
+          </a:ln>
+          <a:effectLst/>
+        </p:spPr>
+        <p:style>
+          <a:lnRef idx="1">
+            <a:schemeClr val="accent1"/>
+          </a:lnRef>
+          <a:fillRef idx="3">
+            <a:schemeClr val="accent1"/>
+          </a:fillRef>
+          <a:effectRef idx="2">
+            <a:schemeClr val="accent1"/>
+          </a:effectRef>
+          <a:fontRef idx="minor">
+            <a:schemeClr val="lt1"/>
+          </a:fontRef>
+        </p:style>
+        <p:txBody>
+          <a:bodyPr rtlCol="0" anchor="ctr"/>
+          <a:lstStyle/>
+          <a:p>
+            <a:pPr algn="ctr"/>
+            <a:r>
+              <a:rPr lang="de-CH" dirty="0" smtClean="0">
+                <a:solidFill>
+                  <a:schemeClr val="tx1"/>
+                </a:solidFill>
+              </a:rPr>
+              <a:t>Core</a:t>
+            </a:r>
+            <a:endParaRPr lang="en-US" dirty="0">
+              <a:solidFill>
+                <a:schemeClr val="tx1"/>
+              </a:solidFill>
+            </a:endParaRPr>
+          </a:p>
+        </p:txBody>
+      </p:sp>
+      <p:sp>
+        <p:nvSpPr>
+          <p:cNvPr id="12" name="Rounded Rectangle 11"/>
+          <p:cNvSpPr/>
+          <p:nvPr/>
+        </p:nvSpPr>
+        <p:spPr>
+          <a:xfrm>
+            <a:off x="7776253" y="2933328"/>
+            <a:ext cx="1116227" cy="639688"/>
+          </a:xfrm>
+          <a:prstGeom prst="roundRect">
+            <a:avLst/>
+          </a:prstGeom>
+          <a:solidFill>
+            <a:schemeClr val="accent5">
+              <a:lumMod val="20000"/>
+              <a:lumOff val="80000"/>
+            </a:schemeClr>
+          </a:solidFill>
+          <a:ln w="38100" cap="flat" cmpd="sng" algn="ctr">
+            <a:solidFill>
+              <a:schemeClr val="tx1"/>
+            </a:solidFill>
+            <a:prstDash val="solid"/>
+            <a:round/>
+            <a:headEnd type="none" w="med" len="med"/>
+            <a:tailEnd w="med" len="med"/>
+          </a:ln>
+          <a:effectLst/>
+        </p:spPr>
+        <p:style>
+          <a:lnRef idx="1">
+            <a:schemeClr val="accent1"/>
+          </a:lnRef>
+          <a:fillRef idx="3">
+            <a:schemeClr val="accent1"/>
+          </a:fillRef>
+          <a:effectRef idx="2">
+            <a:schemeClr val="accent1"/>
+          </a:effectRef>
+          <a:fontRef idx="minor">
+            <a:schemeClr val="lt1"/>
+          </a:fontRef>
+        </p:style>
+        <p:txBody>
+          <a:bodyPr rtlCol="0" anchor="ctr"/>
+          <a:lstStyle/>
+          <a:p>
+            <a:pPr algn="ctr"/>
+            <a:r>
+              <a:rPr lang="en-US" dirty="0" smtClean="0">
+                <a:solidFill>
+                  <a:schemeClr val="tx1"/>
+                </a:solidFill>
+              </a:rPr>
+              <a:t>Data</a:t>
+            </a:r>
+            <a:endParaRPr lang="en-US" dirty="0">
+              <a:solidFill>
+                <a:schemeClr val="tx1"/>
+              </a:solidFill>
+            </a:endParaRPr>
+          </a:p>
+        </p:txBody>
+      </p:sp>
+      <p:cxnSp>
+        <p:nvCxnSpPr>
+          <p:cNvPr id="13" name="Straight Arrow Connector 12"/>
+          <p:cNvCxnSpPr>
+            <a:endCxn id="11" idx="0"/>
+          </p:cNvCxnSpPr>
+          <p:nvPr/>
+        </p:nvCxnSpPr>
+        <p:spPr>
+          <a:xfrm>
+            <a:off x="7000258" y="1692424"/>
+            <a:ext cx="1" cy="520824"/>
+          </a:xfrm>
+          <a:prstGeom prst="straightConnector1">
+            <a:avLst/>
+          </a:prstGeom>
+          <a:ln w="38100" cap="flat" cmpd="sng" algn="ctr">
+            <a:solidFill>
+              <a:schemeClr val="tx1"/>
+            </a:solidFill>
+            <a:prstDash val="solid"/>
+            <a:round/>
+            <a:headEnd type="none" w="med" len="med"/>
+            <a:tailEnd type="arrow" w="med" len="med"/>
+          </a:ln>
+          <a:effectLst/>
+        </p:spPr>
+        <p:style>
+          <a:lnRef idx="2">
+            <a:schemeClr val="accent1"/>
+          </a:lnRef>
+          <a:fillRef idx="0">
+            <a:schemeClr val="accent1"/>
+          </a:fillRef>
+          <a:effectRef idx="1">
+            <a:schemeClr val="accent1"/>
+          </a:effectRef>
+          <a:fontRef idx="minor">
+            <a:schemeClr val="tx1"/>
+          </a:fontRef>
+        </p:style>
+      </p:cxnSp>
+      <p:cxnSp>
+        <p:nvCxnSpPr>
+          <p:cNvPr id="16" name="Straight Arrow Connector 15"/>
+          <p:cNvCxnSpPr>
+            <a:endCxn id="12" idx="0"/>
+          </p:cNvCxnSpPr>
+          <p:nvPr/>
+        </p:nvCxnSpPr>
+        <p:spPr>
+          <a:xfrm>
+            <a:off x="8334366" y="1698273"/>
+            <a:ext cx="1" cy="1235055"/>
+          </a:xfrm>
+          <a:prstGeom prst="straightConnector1">
+            <a:avLst/>
+          </a:prstGeom>
+          <a:ln w="38100" cap="flat" cmpd="sng" algn="ctr">
+            <a:solidFill>
+              <a:schemeClr val="tx1"/>
+            </a:solidFill>
+            <a:prstDash val="solid"/>
+            <a:round/>
+            <a:headEnd type="none" w="med" len="med"/>
+            <a:tailEnd type="arrow" w="med" len="med"/>
+          </a:ln>
+          <a:effectLst/>
+        </p:spPr>
+        <p:style>
+          <a:lnRef idx="2">
+            <a:schemeClr val="accent1"/>
+          </a:lnRef>
+          <a:fillRef idx="0">
+            <a:schemeClr val="accent1"/>
+          </a:fillRef>
+          <a:effectRef idx="1">
+            <a:schemeClr val="accent1"/>
+          </a:effectRef>
+          <a:fontRef idx="minor">
+            <a:schemeClr val="tx1"/>
+          </a:fontRef>
+        </p:style>
+      </p:cxnSp>
+      <p:cxnSp>
+        <p:nvCxnSpPr>
+          <p:cNvPr id="20" name="Straight Arrow Connector 19"/>
+          <p:cNvCxnSpPr/>
+          <p:nvPr/>
+        </p:nvCxnSpPr>
+        <p:spPr>
+          <a:xfrm>
+            <a:off x="7000259" y="3253172"/>
+            <a:ext cx="752363" cy="0"/>
+          </a:xfrm>
+          <a:prstGeom prst="straightConnector1">
+            <a:avLst/>
+          </a:prstGeom>
+          <a:ln w="38100" cap="flat" cmpd="sng" algn="ctr">
+            <a:solidFill>
+              <a:schemeClr val="tx1"/>
+            </a:solidFill>
+            <a:prstDash val="solid"/>
+            <a:round/>
+            <a:headEnd type="none" w="med" len="med"/>
+            <a:tailEnd type="arrow" w="med" len="med"/>
+          </a:ln>
+          <a:effectLst/>
+        </p:spPr>
+        <p:style>
+          <a:lnRef idx="2">
+            <a:schemeClr val="accent1"/>
+          </a:lnRef>
+          <a:fillRef idx="0">
+            <a:schemeClr val="accent1"/>
+          </a:fillRef>
+          <a:effectRef idx="1">
+            <a:schemeClr val="accent1"/>
+          </a:effectRef>
+          <a:fontRef idx="minor">
+            <a:schemeClr val="tx1"/>
+          </a:fontRef>
+        </p:style>
+      </p:cxnSp>
+      <p:cxnSp>
+        <p:nvCxnSpPr>
+          <p:cNvPr id="24" name="Straight Arrow Connector 23"/>
+          <p:cNvCxnSpPr>
+            <a:stCxn id="11" idx="2"/>
+          </p:cNvCxnSpPr>
+          <p:nvPr/>
+        </p:nvCxnSpPr>
+        <p:spPr>
+          <a:xfrm>
+            <a:off x="7000259" y="2852936"/>
+            <a:ext cx="0" cy="415280"/>
+          </a:xfrm>
+          <a:prstGeom prst="straightConnector1">
+            <a:avLst/>
+          </a:prstGeom>
+          <a:ln w="38100" cap="flat" cmpd="sng" algn="ctr">
+            <a:solidFill>
+              <a:schemeClr val="tx1"/>
+            </a:solidFill>
+            <a:prstDash val="solid"/>
+            <a:round/>
+            <a:headEnd type="none" w="med" len="med"/>
+            <a:tailEnd type="none" w="med" len="med"/>
+          </a:ln>
+          <a:effectLst/>
+        </p:spPr>
+        <p:style>
+          <a:lnRef idx="2">
+            <a:schemeClr val="accent1"/>
+          </a:lnRef>
+          <a:fillRef idx="0">
+            <a:schemeClr val="accent1"/>
+          </a:fillRef>
+          <a:effectRef idx="1">
+            <a:schemeClr val="accent1"/>
+          </a:effectRef>
+          <a:fontRef idx="minor">
+            <a:schemeClr val="tx1"/>
+          </a:fontRef>
+        </p:style>
+      </p:cxnSp>
+      <p:sp>
+        <p:nvSpPr>
+          <p:cNvPr id="29" name="TextBox 28"/>
+          <p:cNvSpPr txBox="1"/>
+          <p:nvPr/>
+        </p:nvSpPr>
+        <p:spPr>
+          <a:xfrm>
+            <a:off x="35496" y="332656"/>
+            <a:ext cx="2442913" cy="646331"/>
+          </a:xfrm>
+          <a:prstGeom prst="rect">
+            <a:avLst/>
+          </a:prstGeom>
+          <a:noFill/>
+        </p:spPr>
+        <p:txBody>
+          <a:bodyPr wrap="none" rtlCol="0">
+            <a:spAutoFit/>
+          </a:bodyPr>
+          <a:lstStyle/>
+          <a:p>
+            <a:r>
+              <a:rPr lang="de-CH" sz="3600" dirty="0" smtClean="0"/>
+              <a:t>deployment</a:t>
+            </a:r>
+            <a:endParaRPr lang="en-US" sz="3600" dirty="0"/>
+          </a:p>
+        </p:txBody>
+      </p:sp>
+      <p:sp>
+        <p:nvSpPr>
+          <p:cNvPr id="30" name="TextBox 29"/>
+          <p:cNvSpPr txBox="1"/>
+          <p:nvPr/>
+        </p:nvSpPr>
+        <p:spPr>
+          <a:xfrm>
+            <a:off x="3155924" y="332656"/>
+            <a:ext cx="2496196" cy="646331"/>
+          </a:xfrm>
+          <a:prstGeom prst="rect">
+            <a:avLst/>
+          </a:prstGeom>
+          <a:noFill/>
+        </p:spPr>
+        <p:txBody>
+          <a:bodyPr wrap="none" rtlCol="0">
+            <a:spAutoFit/>
+          </a:bodyPr>
+          <a:lstStyle/>
+          <a:p>
+            <a:r>
+              <a:rPr lang="de-CH" sz="3600" dirty="0" smtClean="0"/>
+              <a:t>namespaces</a:t>
+            </a:r>
+            <a:endParaRPr lang="en-US" sz="3600" dirty="0"/>
+          </a:p>
+        </p:txBody>
+      </p:sp>
+      <p:sp>
+        <p:nvSpPr>
+          <p:cNvPr id="31" name="TextBox 30"/>
+          <p:cNvSpPr txBox="1"/>
+          <p:nvPr/>
+        </p:nvSpPr>
+        <p:spPr>
+          <a:xfrm>
+            <a:off x="6977719" y="332656"/>
+            <a:ext cx="1095364" cy="646331"/>
+          </a:xfrm>
+          <a:prstGeom prst="rect">
+            <a:avLst/>
+          </a:prstGeom>
+          <a:noFill/>
+        </p:spPr>
+        <p:txBody>
+          <a:bodyPr wrap="none" rtlCol="0">
+            <a:spAutoFit/>
+          </a:bodyPr>
+          <a:lstStyle/>
+          <a:p>
+            <a:r>
+              <a:rPr lang="de-CH" sz="3600" dirty="0" smtClean="0"/>
+              <a:t>layer</a:t>
+            </a:r>
+            <a:endParaRPr lang="en-US" sz="3600" dirty="0"/>
+          </a:p>
+        </p:txBody>
+      </p:sp>
+      <p:sp>
+        <p:nvSpPr>
+          <p:cNvPr id="34" name="TextBox 33"/>
+          <p:cNvSpPr txBox="1"/>
+          <p:nvPr/>
+        </p:nvSpPr>
+        <p:spPr>
+          <a:xfrm>
+            <a:off x="323528" y="2204864"/>
+            <a:ext cx="1858201" cy="646331"/>
+          </a:xfrm>
+          <a:prstGeom prst="rect">
+            <a:avLst/>
+          </a:prstGeom>
+          <a:noFill/>
+        </p:spPr>
+        <p:txBody>
+          <a:bodyPr wrap="none" rtlCol="0">
+            <a:spAutoFit/>
+          </a:bodyPr>
+          <a:lstStyle/>
+          <a:p>
+            <a:r>
+              <a:rPr lang="de-CH" sz="1200" dirty="0" smtClean="0">
+                <a:latin typeface="Courier New" pitchFamily="49" charset="0"/>
+                <a:cs typeface="Courier New" pitchFamily="49" charset="0"/>
+              </a:rPr>
+              <a:t>ArchiCop</a:t>
+            </a:r>
+          </a:p>
+          <a:p>
+            <a:r>
+              <a:rPr lang="de-CH" sz="1200" dirty="0" smtClean="0">
+                <a:latin typeface="Courier New" pitchFamily="49" charset="0"/>
+                <a:cs typeface="Courier New" pitchFamily="49" charset="0"/>
+              </a:rPr>
+              <a:t>ArchiCop.View</a:t>
+            </a:r>
+            <a:br>
+              <a:rPr lang="de-CH" sz="1200" dirty="0" smtClean="0">
+                <a:latin typeface="Courier New" pitchFamily="49" charset="0"/>
+                <a:cs typeface="Courier New" pitchFamily="49" charset="0"/>
+              </a:rPr>
+            </a:br>
+            <a:r>
+              <a:rPr lang="de-CH" sz="1200" dirty="0" smtClean="0">
+                <a:latin typeface="Courier New" pitchFamily="49" charset="0"/>
+                <a:cs typeface="Courier New" pitchFamily="49" charset="0"/>
+              </a:rPr>
+              <a:t>ArchiCop.ViewModel</a:t>
+            </a:r>
+            <a:endParaRPr lang="en-US" sz="1200" dirty="0">
+              <a:latin typeface="Courier New" pitchFamily="49" charset="0"/>
+              <a:cs typeface="Courier New" pitchFamily="49" charset="0"/>
+            </a:endParaRPr>
+          </a:p>
+        </p:txBody>
+      </p:sp>
+      <p:sp>
+        <p:nvSpPr>
+          <p:cNvPr id="35" name="TextBox 34"/>
+          <p:cNvSpPr txBox="1"/>
+          <p:nvPr/>
+        </p:nvSpPr>
+        <p:spPr>
+          <a:xfrm>
+            <a:off x="323528" y="4870901"/>
+            <a:ext cx="1393330" cy="461665"/>
+          </a:xfrm>
+          <a:prstGeom prst="rect">
+            <a:avLst/>
+          </a:prstGeom>
+          <a:noFill/>
+        </p:spPr>
+        <p:txBody>
+          <a:bodyPr wrap="none" rtlCol="0">
+            <a:spAutoFit/>
+          </a:bodyPr>
+          <a:lstStyle/>
+          <a:p>
+            <a:r>
+              <a:rPr lang="de-CH" sz="1200" dirty="0" smtClean="0">
+                <a:latin typeface="Courier New" pitchFamily="49" charset="0"/>
+                <a:cs typeface="Courier New" pitchFamily="49" charset="0"/>
+              </a:rPr>
+              <a:t>ArchiCop.Core</a:t>
+            </a:r>
+          </a:p>
+          <a:p>
+            <a:r>
+              <a:rPr lang="de-CH" sz="1200" dirty="0" smtClean="0">
+                <a:latin typeface="Courier New" pitchFamily="49" charset="0"/>
+                <a:cs typeface="Courier New" pitchFamily="49" charset="0"/>
+              </a:rPr>
+              <a:t>ArchiCop.Data</a:t>
+            </a:r>
+            <a:endParaRPr lang="en-US" sz="1200" dirty="0">
+              <a:latin typeface="Courier New" pitchFamily="49" charset="0"/>
+              <a:cs typeface="Courier New" pitchFamily="49" charset="0"/>
+            </a:endParaRPr>
+          </a:p>
+        </p:txBody>
+      </p:sp>
+    </p:spTree>
+    <p:extLst>
+      <p:ext uri="{BB962C8B-B14F-4D97-AF65-F5344CB8AC3E}">
+        <p14:creationId xmlns:p14="http://schemas.microsoft.com/office/powerpoint/2010/main" val="2584598274"/>
+      </p:ext>
+    </p:extLst>
+  </p:cSld>
+  <p:clrMapOvr>
+    <a:masterClrMapping/>
+  </p:clrMapOvr>
+</p:sld>
+</file>
+
+<file path=ppt/slides/slide3.xml><?xml version="1.0" encoding="utf-8"?>
+<p:sld xmlns:a="http://schemas.openxmlformats.org/drawingml/2006/main" xmlns:r="http://schemas.openxmlformats.org/officeDocument/2006/relationships" xmlns:p="http://schemas.openxmlformats.org/presentationml/2006/main">
+  <p:cSld>
+    <p:spTree>
+      <p:nvGrpSpPr>
+        <p:cNvPr id="1" name=""/>
+        <p:cNvGrpSpPr/>
+        <p:nvPr/>
+      </p:nvGrpSpPr>
+      <p:grpSpPr>
+        <a:xfrm>
+          <a:off x="0" y="0"/>
+          <a:ext cx="0" cy="0"/>
+          <a:chOff x="0" y="0"/>
+          <a:chExt cx="0" cy="0"/>
+        </a:xfrm>
+      </p:grpSpPr>
+    </p:spTree>
+    <p:extLst>
+      <p:ext uri="{BB962C8B-B14F-4D97-AF65-F5344CB8AC3E}">
+        <p14:creationId xmlns:p14="http://schemas.microsoft.com/office/powerpoint/2010/main" val="1028021420"/>
+      </p:ext>
+    </p:extLst>
+  </p:cSld>
+  <p:clrMapOvr>
+    <a:masterClrMapping/>
+  </p:clrMapOvr>
+</p:sld>
+</file>
+
+<file path=ppt/slides/slide4.xml><?xml version="1.0" encoding="utf-8"?>
+<p:sld xmlns:a="http://schemas.openxmlformats.org/drawingml/2006/main" xmlns:r="http://schemas.openxmlformats.org/officeDocument/2006/relationships" xmlns:p="http://schemas.openxmlformats.org/presentationml/2006/main">
+  <p:cSld>
+    <p:spTree>
+      <p:nvGrpSpPr>
+        <p:cNvPr id="1" name=""/>
+        <p:cNvGrpSpPr/>
+        <p:nvPr/>
+      </p:nvGrpSpPr>
+      <p:grpSpPr>
+        <a:xfrm>
+          <a:off x="0" y="0"/>
+          <a:ext cx="0" cy="0"/>
+          <a:chOff x="0" y="0"/>
+          <a:chExt cx="0" cy="0"/>
+        </a:xfrm>
+      </p:grpSpPr>
       <p:pic>
         <p:nvPicPr>
           <p:cNvPr id="60" name="Picture 59"/>
@@ -4030,409 +5149,6 @@
 </p:sld>
 </file>
 
-<file path=ppt/slides/slide3.xml><?xml version="1.0" encoding="utf-8"?>
-<p:sld xmlns:a="http://schemas.openxmlformats.org/drawingml/2006/main" xmlns:r="http://schemas.openxmlformats.org/officeDocument/2006/relationships" xmlns:p="http://schemas.openxmlformats.org/presentationml/2006/main">
-  <p:cSld>
-    <p:spTree>
-      <p:nvGrpSpPr>
-        <p:cNvPr id="1" name=""/>
-        <p:cNvGrpSpPr/>
-        <p:nvPr/>
-      </p:nvGrpSpPr>
-      <p:grpSpPr>
-        <a:xfrm>
-          <a:off x="0" y="0"/>
-          <a:ext cx="0" cy="0"/>
-          <a:chOff x="0" y="0"/>
-          <a:chExt cx="0" cy="0"/>
-        </a:xfrm>
-      </p:grpSpPr>
-      <p:sp>
-        <p:nvSpPr>
-          <p:cNvPr id="2" name="Title 1"/>
-          <p:cNvSpPr>
-            <a:spLocks noGrp="1"/>
-          </p:cNvSpPr>
-          <p:nvPr>
-            <p:ph type="title"/>
-          </p:nvPr>
-        </p:nvSpPr>
-        <p:spPr/>
-        <p:txBody>
-          <a:bodyPr/>
-          <a:lstStyle/>
-          <a:p>
-            <a:r>
-              <a:rPr lang="en-US" dirty="0" smtClean="0"/>
-              <a:t>Load Engine</a:t>
-            </a:r>
-            <a:endParaRPr lang="en-US" dirty="0"/>
-          </a:p>
-        </p:txBody>
-      </p:sp>
-      <p:sp>
-        <p:nvSpPr>
-          <p:cNvPr id="3" name="Content Placeholder 2"/>
-          <p:cNvSpPr>
-            <a:spLocks noGrp="1"/>
-          </p:cNvSpPr>
-          <p:nvPr>
-            <p:ph idx="1"/>
-          </p:nvPr>
-        </p:nvSpPr>
-        <p:spPr/>
-        <p:txBody>
-          <a:bodyPr>
-            <a:normAutofit/>
-          </a:bodyPr>
-          <a:lstStyle/>
-          <a:p>
-            <a:pPr>
-              <a:buNone/>
-            </a:pPr>
-            <a:r>
-              <a:rPr lang="en-US" sz="1600" dirty="0" smtClean="0">
-                <a:latin typeface="Courier New"/>
-                <a:cs typeface="Courier New"/>
-              </a:rPr>
-              <a:t>interface </a:t>
-            </a:r>
-            <a:r>
-              <a:rPr lang="en-US" sz="1600" dirty="0" err="1" smtClean="0">
-                <a:latin typeface="Courier New"/>
-                <a:cs typeface="Courier New"/>
-              </a:rPr>
-              <a:t>ILoadEngine</a:t>
-            </a:r>
-            <a:r>
-              <a:rPr lang="en-US" sz="1600" dirty="0" smtClean="0">
-                <a:latin typeface="Courier New"/>
-                <a:cs typeface="Courier New"/>
-              </a:rPr>
-              <a:t> {</a:t>
-            </a:r>
-          </a:p>
-          <a:p>
-            <a:pPr>
-              <a:buNone/>
-            </a:pPr>
-            <a:r>
-              <a:rPr lang="en-US" sz="1600" dirty="0" smtClean="0">
-                <a:latin typeface="Courier New"/>
-                <a:cs typeface="Courier New"/>
-              </a:rPr>
-              <a:t>	</a:t>
-            </a:r>
-            <a:r>
-              <a:rPr lang="en-US" sz="1600" dirty="0" err="1" smtClean="0">
-                <a:latin typeface="Courier New"/>
-                <a:cs typeface="Courier New"/>
-              </a:rPr>
-              <a:t>IEnumerable</a:t>
-            </a:r>
-            <a:r>
-              <a:rPr lang="en-US" sz="1600" dirty="0" smtClean="0">
-                <a:latin typeface="Courier New"/>
-                <a:cs typeface="Courier New"/>
-              </a:rPr>
-              <a:t>&lt;</a:t>
-            </a:r>
-            <a:r>
-              <a:rPr lang="en-US" sz="1600" dirty="0" err="1" smtClean="0">
-                <a:latin typeface="Courier New"/>
-                <a:cs typeface="Courier New"/>
-              </a:rPr>
-              <a:t>ArchicopEdge</a:t>
-            </a:r>
-            <a:r>
-              <a:rPr lang="en-US" sz="1600" dirty="0" smtClean="0">
-                <a:latin typeface="Courier New"/>
-                <a:cs typeface="Courier New"/>
-              </a:rPr>
-              <a:t>&gt; </a:t>
-            </a:r>
-            <a:r>
-              <a:rPr lang="en-US" sz="1600" dirty="0" err="1" smtClean="0">
-                <a:latin typeface="Courier New"/>
-                <a:cs typeface="Courier New"/>
-              </a:rPr>
-              <a:t>LoadEdges</a:t>
-            </a:r>
-            <a:r>
-              <a:rPr lang="en-US" sz="1600" dirty="0" smtClean="0">
-                <a:latin typeface="Courier New"/>
-                <a:cs typeface="Courier New"/>
-              </a:rPr>
-              <a:t>();</a:t>
-            </a:r>
-          </a:p>
-          <a:p>
-            <a:pPr>
-              <a:buNone/>
-            </a:pPr>
-            <a:r>
-              <a:rPr lang="en-US" sz="1600" dirty="0" smtClean="0">
-                <a:latin typeface="Courier New"/>
-                <a:cs typeface="Courier New"/>
-              </a:rPr>
-              <a:t>}</a:t>
-            </a:r>
-          </a:p>
-          <a:p>
-            <a:pPr>
-              <a:buNone/>
-            </a:pPr>
-            <a:endParaRPr lang="en-US" sz="1600" dirty="0" smtClean="0"/>
-          </a:p>
-          <a:p>
-            <a:r>
-              <a:rPr lang="en-US" sz="2400" dirty="0" smtClean="0"/>
-              <a:t>Loads from a given source a list of edges. Typical sources: source code, xml, db, excel…</a:t>
-            </a:r>
-          </a:p>
-          <a:p>
-            <a:r>
-              <a:rPr lang="en-US" sz="2400" dirty="0" smtClean="0"/>
-              <a:t>Multiple Load Engines might be sequentially invoked. Used to merge lists of edges from multiple sources.</a:t>
-            </a:r>
-          </a:p>
-        </p:txBody>
-      </p:sp>
-    </p:spTree>
-  </p:cSld>
-  <p:clrMapOvr>
-    <a:masterClrMapping/>
-  </p:clrMapOvr>
-</p:sld>
-</file>
-
-<file path=ppt/slides/slide4.xml><?xml version="1.0" encoding="utf-8"?>
-<p:sld xmlns:a="http://schemas.openxmlformats.org/drawingml/2006/main" xmlns:r="http://schemas.openxmlformats.org/officeDocument/2006/relationships" xmlns:p="http://schemas.openxmlformats.org/presentationml/2006/main">
-  <p:cSld>
-    <p:spTree>
-      <p:nvGrpSpPr>
-        <p:cNvPr id="1" name=""/>
-        <p:cNvGrpSpPr/>
-        <p:nvPr/>
-      </p:nvGrpSpPr>
-      <p:grpSpPr>
-        <a:xfrm>
-          <a:off x="0" y="0"/>
-          <a:ext cx="0" cy="0"/>
-          <a:chOff x="0" y="0"/>
-          <a:chExt cx="0" cy="0"/>
-        </a:xfrm>
-      </p:grpSpPr>
-      <p:sp>
-        <p:nvSpPr>
-          <p:cNvPr id="2" name="Title 1"/>
-          <p:cNvSpPr>
-            <a:spLocks noGrp="1"/>
-          </p:cNvSpPr>
-          <p:nvPr>
-            <p:ph type="title"/>
-          </p:nvPr>
-        </p:nvSpPr>
-        <p:spPr/>
-        <p:txBody>
-          <a:bodyPr/>
-          <a:lstStyle/>
-          <a:p>
-            <a:r>
-              <a:rPr lang="en-US" dirty="0" smtClean="0"/>
-              <a:t>Edge Engine</a:t>
-            </a:r>
-            <a:endParaRPr lang="en-US" dirty="0"/>
-          </a:p>
-        </p:txBody>
-      </p:sp>
-      <p:sp>
-        <p:nvSpPr>
-          <p:cNvPr id="3" name="Content Placeholder 2"/>
-          <p:cNvSpPr>
-            <a:spLocks noGrp="1"/>
-          </p:cNvSpPr>
-          <p:nvPr>
-            <p:ph idx="1"/>
-          </p:nvPr>
-        </p:nvSpPr>
-        <p:spPr/>
-        <p:txBody>
-          <a:bodyPr/>
-          <a:lstStyle/>
-          <a:p>
-            <a:pPr>
-              <a:buNone/>
-            </a:pPr>
-            <a:r>
-              <a:rPr lang="en-US" sz="1600" dirty="0" smtClean="0">
-                <a:latin typeface="Courier New"/>
-                <a:cs typeface="Courier New"/>
-              </a:rPr>
-              <a:t>interface </a:t>
-            </a:r>
-            <a:r>
-              <a:rPr lang="en-US" sz="1600" dirty="0" err="1" smtClean="0">
-                <a:latin typeface="Courier New"/>
-                <a:cs typeface="Courier New"/>
-              </a:rPr>
-              <a:t>IEdgeEngine</a:t>
-            </a:r>
-            <a:r>
-              <a:rPr lang="en-US" sz="1600" dirty="0" smtClean="0">
-                <a:latin typeface="Courier New"/>
-                <a:cs typeface="Courier New"/>
-              </a:rPr>
-              <a:t> {</a:t>
-            </a:r>
-          </a:p>
-          <a:p>
-            <a:pPr>
-              <a:buNone/>
-            </a:pPr>
-            <a:r>
-              <a:rPr lang="en-US" sz="1600" dirty="0" smtClean="0">
-                <a:latin typeface="Courier New"/>
-                <a:cs typeface="Courier New"/>
-              </a:rPr>
-              <a:t>	</a:t>
-            </a:r>
-            <a:r>
-              <a:rPr lang="en-US" sz="1600" dirty="0" err="1" smtClean="0">
-                <a:latin typeface="Courier New"/>
-                <a:cs typeface="Courier New"/>
-              </a:rPr>
-              <a:t>IEnumerable</a:t>
-            </a:r>
-            <a:r>
-              <a:rPr lang="en-US" sz="1600" dirty="0" smtClean="0">
-                <a:latin typeface="Courier New"/>
-                <a:cs typeface="Courier New"/>
-              </a:rPr>
-              <a:t>&lt;Edges&gt; </a:t>
-            </a:r>
-            <a:r>
-              <a:rPr lang="en-US" sz="1600" dirty="0" err="1" smtClean="0">
-                <a:latin typeface="Courier New"/>
-                <a:cs typeface="Courier New"/>
-              </a:rPr>
-              <a:t>ConvertEdges(IEnumerable</a:t>
-            </a:r>
-            <a:r>
-              <a:rPr lang="en-US" sz="1600" dirty="0" smtClean="0">
-                <a:latin typeface="Courier New"/>
-                <a:cs typeface="Courier New"/>
-              </a:rPr>
-              <a:t>&lt;</a:t>
-            </a:r>
-            <a:r>
-              <a:rPr lang="en-US" sz="1600" dirty="0" err="1" smtClean="0">
-                <a:latin typeface="Courier New"/>
-                <a:cs typeface="Courier New"/>
-              </a:rPr>
-              <a:t>ArchicopEdge</a:t>
-            </a:r>
-            <a:r>
-              <a:rPr lang="en-US" sz="1600" dirty="0" smtClean="0">
-                <a:latin typeface="Courier New"/>
-                <a:cs typeface="Courier New"/>
-              </a:rPr>
-              <a:t>&gt; edges);</a:t>
-            </a:r>
-          </a:p>
-          <a:p>
-            <a:pPr>
-              <a:buNone/>
-            </a:pPr>
-            <a:r>
-              <a:rPr lang="en-US" sz="1600" dirty="0" smtClean="0">
-                <a:latin typeface="Courier New"/>
-                <a:cs typeface="Courier New"/>
-              </a:rPr>
-              <a:t>}</a:t>
-            </a:r>
-          </a:p>
-          <a:p>
-            <a:r>
-              <a:rPr lang="en-US" sz="2400" dirty="0" smtClean="0"/>
-              <a:t>Converts a given list of edges into another </a:t>
-            </a:r>
-            <a:r>
-              <a:rPr lang="en-US" sz="2400" dirty="0"/>
-              <a:t>list of</a:t>
-            </a:r>
-            <a:r>
-              <a:rPr lang="en-US" sz="2400" dirty="0" smtClean="0"/>
-              <a:t> edges</a:t>
-            </a:r>
-            <a:r>
-              <a:rPr lang="en-US" sz="2400" dirty="0"/>
-              <a:t>. Typical</a:t>
-            </a:r>
-            <a:r>
-              <a:rPr lang="en-US" sz="2400" dirty="0" smtClean="0"/>
-              <a:t> conversions: </a:t>
-            </a:r>
-            <a:r>
-              <a:rPr lang="en-US" sz="2400" dirty="0" err="1" smtClean="0"/>
-              <a:t>regex</a:t>
-            </a:r>
-            <a:r>
-              <a:rPr lang="en-US" sz="2400" dirty="0" smtClean="0"/>
-              <a:t>-value, </a:t>
-            </a:r>
-            <a:r>
-              <a:rPr lang="en-US" sz="2400" dirty="0" err="1" smtClean="0"/>
-              <a:t>regex-regex</a:t>
-            </a:r>
-            <a:r>
-              <a:rPr lang="en-US" sz="2400" dirty="0" smtClean="0"/>
-              <a:t>, filter…</a:t>
-            </a:r>
-          </a:p>
-          <a:p>
-            <a:r>
-              <a:rPr lang="en-US" sz="2400" dirty="0"/>
-              <a:t>Multiple</a:t>
-            </a:r>
-            <a:r>
-              <a:rPr lang="en-US" sz="2400" dirty="0" smtClean="0"/>
-              <a:t> Edge Engines </a:t>
-            </a:r>
-            <a:r>
-              <a:rPr lang="en-US" sz="2400" dirty="0"/>
-              <a:t>might be sequentially invoked.</a:t>
-            </a:r>
-            <a:r>
-              <a:rPr lang="en-US" sz="2400" dirty="0" smtClean="0"/>
-              <a:t> </a:t>
-            </a:r>
-          </a:p>
-          <a:p>
-            <a:pPr>
-              <a:buNone/>
-            </a:pPr>
-            <a:endParaRPr lang="en-US" sz="1600" dirty="0" smtClean="0">
-              <a:latin typeface="Courier New"/>
-              <a:cs typeface="Courier New"/>
-            </a:endParaRPr>
-          </a:p>
-          <a:p>
-            <a:pPr>
-              <a:buNone/>
-            </a:pPr>
-            <a:endParaRPr lang="en-US" dirty="0" smtClean="0"/>
-          </a:p>
-        </p:txBody>
-      </p:sp>
-    </p:spTree>
-  </p:cSld>
-  <p:clrMapOvr>
-    <a:masterClrMapping/>
-  </p:clrMapOvr>
-</p:sld>
-</file>
-
 <file path=ppt/slides/slide5.xml><?xml version="1.0" encoding="utf-8"?>
 <p:sld xmlns:a="http://schemas.openxmlformats.org/drawingml/2006/main" xmlns:r="http://schemas.openxmlformats.org/officeDocument/2006/relationships" xmlns:p="http://schemas.openxmlformats.org/presentationml/2006/main">
   <p:cSld>
@@ -4467,7 +5183,7 @@
           <a:p>
             <a:r>
               <a:rPr lang="en-US" dirty="0" smtClean="0"/>
-              <a:t>Graph Engine</a:t>
+              <a:t>Load Engine</a:t>
             </a:r>
             <a:endParaRPr lang="en-US" dirty="0"/>
           </a:p>
@@ -4485,7 +5201,9 @@
         </p:nvSpPr>
         <p:spPr/>
         <p:txBody>
-          <a:bodyPr/>
+          <a:bodyPr>
+            <a:normAutofit/>
+          </a:bodyPr>
           <a:lstStyle/>
           <a:p>
             <a:pPr>
@@ -4503,7 +5221,7 @@
                 <a:latin typeface="Courier New"/>
                 <a:cs typeface="Courier New"/>
               </a:rPr>
-              <a:t>IGraphEngine</a:t>
+              <a:t>ILoadEngine</a:t>
             </a:r>
             <a:r>
               <a:rPr lang="en-US" sz="1600" dirty="0" smtClean="0">
@@ -4529,42 +5247,42 @@
                 <a:latin typeface="Courier New"/>
                 <a:cs typeface="Courier New"/>
               </a:rPr>
-              <a:t>ArchiCopGraph</a:t>
+              <a:t>IEnumerable</a:t>
             </a:r>
             <a:r>
               <a:rPr lang="en-US" sz="1600" dirty="0" smtClean="0">
                 <a:latin typeface="Courier New"/>
                 <a:cs typeface="Courier New"/>
               </a:rPr>
-              <a:t> </a:t>
+              <a:t>&lt;</a:t>
             </a:r>
             <a:r>
               <a:rPr lang="en-US" sz="1600" dirty="0" err="1" smtClean="0">
                 <a:latin typeface="Courier New"/>
                 <a:cs typeface="Courier New"/>
               </a:rPr>
-              <a:t>CreateGraph(IEnumerable</a:t>
+              <a:t>ArchiCopEdge</a:t>
             </a:r>
             <a:r>
               <a:rPr lang="en-US" sz="1600" dirty="0" smtClean="0">
                 <a:latin typeface="Courier New"/>
                 <a:cs typeface="Courier New"/>
               </a:rPr>
-              <a:t>&lt;</a:t>
+              <a:t>&gt; </a:t>
             </a:r>
             <a:r>
               <a:rPr lang="en-US" sz="1600" dirty="0" err="1" smtClean="0">
                 <a:latin typeface="Courier New"/>
                 <a:cs typeface="Courier New"/>
               </a:rPr>
-              <a:t>ArchicopEdge</a:t>
+              <a:t>LoadEdges</a:t>
             </a:r>
             <a:r>
               <a:rPr lang="en-US" sz="1600" dirty="0" smtClean="0">
                 <a:latin typeface="Courier New"/>
                 <a:cs typeface="Courier New"/>
               </a:rPr>
-              <a:t>&gt; edges);</a:t>
+              <a:t>();</a:t>
             </a:r>
           </a:p>
           <a:p>
@@ -4580,45 +5298,22 @@
             </a:r>
           </a:p>
           <a:p>
+            <a:pPr>
+              <a:buNone/>
+            </a:pPr>
+            <a:endParaRPr lang="en-US" sz="1600" dirty="0" smtClean="0"/>
+          </a:p>
+          <a:p>
             <a:r>
               <a:rPr lang="en-US" sz="2400" dirty="0" smtClean="0"/>
-              <a:t>Creates a graph from a </a:t>
-            </a:r>
-            <a:r>
-              <a:rPr lang="en-US" sz="2400" dirty="0"/>
-              <a:t>given list of </a:t>
-            </a:r>
+              <a:t>Loads from a given source a list of edges. Typical sources: source code, xml, db, excel…</a:t>
+            </a:r>
+          </a:p>
+          <a:p>
             <a:r>
               <a:rPr lang="en-US" sz="2400" dirty="0" smtClean="0"/>
-              <a:t>edges. </a:t>
-            </a:r>
-          </a:p>
-          <a:p>
-            <a:r>
-              <a:rPr lang="en-US" sz="2400" dirty="0" smtClean="0"/>
-              <a:t>Invoked once per graph.</a:t>
-            </a:r>
-          </a:p>
-          <a:p>
-            <a:pPr>
-              <a:buNone/>
-            </a:pPr>
-            <a:endParaRPr lang="en-US" sz="2400" dirty="0" smtClean="0"/>
-          </a:p>
-          <a:p>
-            <a:pPr>
-              <a:buNone/>
-            </a:pPr>
-            <a:endParaRPr lang="en-US" sz="1600" dirty="0" smtClean="0">
-              <a:latin typeface="Courier New"/>
-              <a:cs typeface="Courier New"/>
-            </a:endParaRPr>
-          </a:p>
-          <a:p>
-            <a:pPr>
-              <a:buNone/>
-            </a:pPr>
-            <a:endParaRPr lang="en-US" dirty="0" smtClean="0"/>
+              <a:t>Multiple Load Engines might be sequentially invoked. Used to merge lists of edges from multiple sources.</a:t>
+            </a:r>
           </a:p>
         </p:txBody>
       </p:sp>
@@ -4664,7 +5359,7 @@
           <a:p>
             <a:r>
               <a:rPr lang="en-US" dirty="0" smtClean="0"/>
-              <a:t>Rule Engine</a:t>
+              <a:t>Edge Engine</a:t>
             </a:r>
             <a:endParaRPr lang="en-US" dirty="0"/>
           </a:p>
@@ -4680,12 +5375,7 @@
             <p:ph idx="1"/>
           </p:nvPr>
         </p:nvSpPr>
-        <p:spPr>
-          <a:xfrm>
-            <a:off x="457200" y="1600200"/>
-            <a:ext cx="8534400" cy="4525963"/>
-          </a:xfrm>
-        </p:spPr>
+        <p:spPr/>
         <p:txBody>
           <a:bodyPr/>
           <a:lstStyle/>
@@ -4694,221 +5384,176 @@
               <a:buNone/>
             </a:pPr>
             <a:r>
+              <a:rPr lang="en-US" sz="1600" dirty="0">
+                <a:latin typeface="Courier New"/>
+                <a:cs typeface="Courier New"/>
+              </a:rPr>
+              <a:t>interface </a:t>
+            </a:r>
+            <a:r>
+              <a:rPr lang="en-US" sz="1600" dirty="0" err="1">
+                <a:latin typeface="Courier New"/>
+                <a:cs typeface="Courier New"/>
+              </a:rPr>
+              <a:t>IEdgeEngine</a:t>
+            </a:r>
+            <a:r>
+              <a:rPr lang="en-US" sz="1600" dirty="0">
+                <a:latin typeface="Courier New"/>
+                <a:cs typeface="Courier New"/>
+              </a:rPr>
+              <a:t> {</a:t>
+            </a:r>
+          </a:p>
+          <a:p>
+            <a:pPr>
+              <a:buNone/>
+            </a:pPr>
+            <a:r>
+              <a:rPr lang="en-US" sz="1600" dirty="0">
+                <a:latin typeface="Courier New"/>
+                <a:cs typeface="Courier New"/>
+              </a:rPr>
+              <a:t>	</a:t>
+            </a:r>
+            <a:r>
+              <a:rPr lang="en-US" sz="1600" dirty="0" err="1">
+                <a:latin typeface="Courier New"/>
+                <a:cs typeface="Courier New"/>
+              </a:rPr>
+              <a:t>IEnumerable</a:t>
+            </a:r>
+            <a:r>
+              <a:rPr lang="en-US" sz="1600" dirty="0">
+                <a:latin typeface="Courier New"/>
+                <a:cs typeface="Courier New"/>
+              </a:rPr>
+              <a:t>&lt;</a:t>
+            </a:r>
+            <a:r>
+              <a:rPr lang="en-US" sz="1600" dirty="0" err="1">
+                <a:latin typeface="Courier New"/>
+                <a:cs typeface="Courier New"/>
+              </a:rPr>
+              <a:t>ArchiCopEdge</a:t>
+            </a:r>
+            <a:r>
+              <a:rPr lang="en-US" sz="1600" dirty="0">
+                <a:latin typeface="Courier New"/>
+                <a:cs typeface="Courier New"/>
+              </a:rPr>
+              <a:t>&gt; </a:t>
+            </a:r>
+            <a:r>
+              <a:rPr lang="en-US" sz="1600" dirty="0" err="1">
+                <a:latin typeface="Courier New"/>
+                <a:cs typeface="Courier New"/>
+              </a:rPr>
+              <a:t>ConvertEdges</a:t>
+            </a:r>
+            <a:r>
+              <a:rPr lang="en-US" sz="1600" dirty="0">
+                <a:latin typeface="Courier New"/>
+                <a:cs typeface="Courier New"/>
+              </a:rPr>
+              <a:t>(</a:t>
+            </a:r>
+            <a:r>
+              <a:rPr lang="en-US" sz="1600" dirty="0" err="1">
+                <a:latin typeface="Courier New"/>
+                <a:cs typeface="Courier New"/>
+              </a:rPr>
+              <a:t>IEnumerable</a:t>
+            </a:r>
+            <a:r>
+              <a:rPr lang="en-US" sz="1600" dirty="0">
+                <a:latin typeface="Courier New"/>
+                <a:cs typeface="Courier New"/>
+              </a:rPr>
+              <a:t>&lt;</a:t>
+            </a:r>
+            <a:r>
+              <a:rPr lang="en-US" sz="1600" dirty="0" err="1">
+                <a:latin typeface="Courier New"/>
+                <a:cs typeface="Courier New"/>
+              </a:rPr>
+              <a:t>ArchiCopEdge</a:t>
+            </a:r>
+            <a:r>
+              <a:rPr lang="en-US" sz="1600" dirty="0">
+                <a:latin typeface="Courier New"/>
+                <a:cs typeface="Courier New"/>
+              </a:rPr>
+              <a:t>&gt; edges, </a:t>
+            </a:r>
+            <a:r>
+              <a:rPr lang="en-US" sz="1600" dirty="0" err="1">
+                <a:latin typeface="Courier New"/>
+                <a:cs typeface="Courier New"/>
+              </a:rPr>
+              <a:t>IEnumerable</a:t>
+            </a:r>
+            <a:r>
+              <a:rPr lang="en-US" sz="1600" dirty="0">
+                <a:latin typeface="Courier New"/>
+                <a:cs typeface="Courier New"/>
+              </a:rPr>
+              <a:t>&lt;</a:t>
+            </a:r>
+            <a:r>
+              <a:rPr lang="en-US" sz="1600" dirty="0" err="1">
+                <a:latin typeface="Courier New"/>
+                <a:cs typeface="Courier New"/>
+              </a:rPr>
+              <a:t>VertexRegexRule</a:t>
+            </a:r>
+            <a:r>
+              <a:rPr lang="en-US" sz="1600" dirty="0">
+                <a:latin typeface="Courier New"/>
+                <a:cs typeface="Courier New"/>
+              </a:rPr>
+              <a:t>&gt; rules </a:t>
+            </a:r>
+            <a:r>
+              <a:rPr lang="en-US" sz="1600" dirty="0">
+                <a:latin typeface="Courier New"/>
+                <a:cs typeface="Courier New"/>
+              </a:rPr>
+              <a:t>);</a:t>
+            </a:r>
+          </a:p>
+          <a:p>
+            <a:pPr>
+              <a:buNone/>
+            </a:pPr>
+            <a:r>
               <a:rPr lang="en-US" sz="1600" dirty="0" smtClean="0">
                 <a:latin typeface="Courier New"/>
                 <a:cs typeface="Courier New"/>
               </a:rPr>
-              <a:t>interface </a:t>
-            </a:r>
-            <a:r>
-              <a:rPr lang="en-US" sz="1600" dirty="0" err="1" smtClean="0">
-                <a:latin typeface="Courier New"/>
-                <a:cs typeface="Courier New"/>
-              </a:rPr>
-              <a:t>IRuleEngine</a:t>
-            </a:r>
-            <a:r>
-              <a:rPr lang="en-US" sz="1600" dirty="0" smtClean="0">
-                <a:latin typeface="Courier New"/>
-                <a:cs typeface="Courier New"/>
-              </a:rPr>
-              <a:t> {</a:t>
-            </a:r>
-          </a:p>
-          <a:p>
-            <a:pPr>
-              <a:buNone/>
-            </a:pPr>
-            <a:r>
-              <a:rPr lang="en-US" sz="1600" dirty="0" smtClean="0">
-                <a:latin typeface="Courier New"/>
-                <a:cs typeface="Courier New"/>
-              </a:rPr>
-              <a:t>	</a:t>
-            </a:r>
-            <a:r>
-              <a:rPr lang="en-US" sz="1600" dirty="0" err="1" smtClean="0">
-                <a:latin typeface="Courier New"/>
-                <a:cs typeface="Courier New"/>
-              </a:rPr>
-              <a:t>IEnumerable</a:t>
-            </a:r>
-            <a:r>
-              <a:rPr lang="en-US" sz="1600" dirty="0" smtClean="0">
-                <a:latin typeface="Courier New"/>
-                <a:cs typeface="Courier New"/>
-              </a:rPr>
-              <a:t>&lt;string&gt; </a:t>
-            </a:r>
-            <a:r>
-              <a:rPr lang="en-US" sz="1600" dirty="0" err="1" smtClean="0">
-                <a:latin typeface="Courier New"/>
-                <a:cs typeface="Courier New"/>
-              </a:rPr>
-              <a:t>GetInfos(IEnumerable</a:t>
-            </a:r>
-            <a:r>
-              <a:rPr lang="en-US" sz="1600" dirty="0" smtClean="0">
-                <a:latin typeface="Courier New"/>
-                <a:cs typeface="Courier New"/>
-              </a:rPr>
-              <a:t>&lt;</a:t>
-            </a:r>
-            <a:r>
-              <a:rPr lang="en-US" sz="1600" dirty="0" err="1" smtClean="0">
-                <a:latin typeface="Courier New"/>
-                <a:cs typeface="Courier New"/>
-              </a:rPr>
-              <a:t>ArchicopEdge</a:t>
-            </a:r>
-            <a:r>
-              <a:rPr lang="en-US" sz="1600" dirty="0" smtClean="0">
-                <a:latin typeface="Courier New"/>
-                <a:cs typeface="Courier New"/>
-              </a:rPr>
-              <a:t>&gt; edges);</a:t>
-            </a:r>
-          </a:p>
-          <a:p>
-            <a:pPr>
-              <a:buNone/>
-            </a:pPr>
-            <a:r>
-              <a:rPr lang="en-US" sz="1600" dirty="0" smtClean="0">
-                <a:latin typeface="Courier New"/>
-                <a:cs typeface="Courier New"/>
-              </a:rPr>
-              <a:t>	</a:t>
-            </a:r>
-            <a:r>
-              <a:rPr lang="en-US" sz="1600" dirty="0" err="1" smtClean="0">
-                <a:latin typeface="Courier New"/>
-                <a:cs typeface="Courier New"/>
-              </a:rPr>
-              <a:t>IEnumerable</a:t>
-            </a:r>
-            <a:r>
-              <a:rPr lang="en-US" sz="1600" dirty="0" smtClean="0">
-                <a:latin typeface="Courier New"/>
-                <a:cs typeface="Courier New"/>
-              </a:rPr>
-              <a:t>&lt;string&gt; </a:t>
-            </a:r>
-            <a:r>
-              <a:rPr lang="en-US" sz="1600" dirty="0" err="1" smtClean="0">
-                <a:latin typeface="Courier New"/>
-                <a:cs typeface="Courier New"/>
-              </a:rPr>
-              <a:t>GetWarnings(IEnumerable</a:t>
-            </a:r>
-            <a:r>
-              <a:rPr lang="en-US" sz="1600" dirty="0" smtClean="0">
-                <a:latin typeface="Courier New"/>
-                <a:cs typeface="Courier New"/>
-              </a:rPr>
-              <a:t>&lt;</a:t>
-            </a:r>
-            <a:r>
-              <a:rPr lang="en-US" sz="1600" dirty="0" err="1" smtClean="0">
-                <a:latin typeface="Courier New"/>
-                <a:cs typeface="Courier New"/>
-              </a:rPr>
-              <a:t>ArchicopEdge</a:t>
-            </a:r>
-            <a:r>
-              <a:rPr lang="en-US" sz="1600" dirty="0" smtClean="0">
-                <a:latin typeface="Courier New"/>
-                <a:cs typeface="Courier New"/>
-              </a:rPr>
-              <a:t>&gt; edges);</a:t>
-            </a:r>
-          </a:p>
-          <a:p>
-            <a:pPr>
-              <a:buNone/>
-            </a:pPr>
-            <a:r>
-              <a:rPr lang="en-US" sz="1600" dirty="0" smtClean="0">
-                <a:latin typeface="Courier New"/>
-                <a:cs typeface="Courier New"/>
-              </a:rPr>
-              <a:t>	</a:t>
-            </a:r>
-            <a:r>
-              <a:rPr lang="en-US" sz="1600" dirty="0" err="1" smtClean="0">
-                <a:latin typeface="Courier New"/>
-                <a:cs typeface="Courier New"/>
-              </a:rPr>
-              <a:t>IEnumerable</a:t>
-            </a:r>
-            <a:r>
-              <a:rPr lang="en-US" sz="1600" dirty="0" smtClean="0">
-                <a:latin typeface="Courier New"/>
-                <a:cs typeface="Courier New"/>
-              </a:rPr>
-              <a:t>&lt;string&gt; </a:t>
-            </a:r>
-            <a:r>
-              <a:rPr lang="en-US" sz="1600" dirty="0" err="1" smtClean="0">
-                <a:latin typeface="Courier New"/>
-                <a:cs typeface="Courier New"/>
-              </a:rPr>
-              <a:t>GetErrors(IEnumerable</a:t>
-            </a:r>
-            <a:r>
-              <a:rPr lang="en-US" sz="1600" dirty="0" smtClean="0">
-                <a:latin typeface="Courier New"/>
-                <a:cs typeface="Courier New"/>
-              </a:rPr>
-              <a:t>&lt;</a:t>
-            </a:r>
-            <a:r>
-              <a:rPr lang="en-US" sz="1600" dirty="0" err="1" smtClean="0">
-                <a:latin typeface="Courier New"/>
-                <a:cs typeface="Courier New"/>
-              </a:rPr>
-              <a:t>ArchicopEdge</a:t>
-            </a:r>
-            <a:r>
-              <a:rPr lang="en-US" sz="1600" dirty="0" smtClean="0">
-                <a:latin typeface="Courier New"/>
-                <a:cs typeface="Courier New"/>
-              </a:rPr>
-              <a:t>&gt; edges);</a:t>
-            </a:r>
-          </a:p>
-          <a:p>
-            <a:pPr>
-              <a:buNone/>
-            </a:pPr>
-            <a:r>
-              <a:rPr lang="en-US" sz="1600" dirty="0" smtClean="0">
-                <a:latin typeface="Courier New"/>
-                <a:cs typeface="Courier New"/>
-              </a:rPr>
               <a:t>}</a:t>
             </a:r>
           </a:p>
           <a:p>
             <a:r>
               <a:rPr lang="en-US" sz="2400" dirty="0" smtClean="0"/>
-              <a:t>Runs rule check against </a:t>
+              <a:t>Converts a given list of edges into another </a:t>
             </a:r>
             <a:r>
               <a:rPr lang="en-US" sz="2400" dirty="0"/>
-              <a:t>a given list of edges.</a:t>
+              <a:t>list of</a:t>
             </a:r>
             <a:r>
               <a:rPr lang="en-US" sz="2400" dirty="0" smtClean="0"/>
-              <a:t> Typical rules: graph </a:t>
-            </a:r>
-            <a:r>
-              <a:rPr lang="en-US" sz="2400" dirty="0" err="1" smtClean="0"/>
-              <a:t>vs</a:t>
+              <a:t> edges</a:t>
+            </a:r>
+            <a:r>
+              <a:rPr lang="en-US" sz="2400" dirty="0"/>
+              <a:t>. Typical</a:t>
             </a:r>
             <a:r>
               <a:rPr lang="en-US" sz="2400" dirty="0" smtClean="0"/>
-              <a:t> graph, cycles, </a:t>
+              <a:t> conversions: </a:t>
             </a:r>
             <a:r>
               <a:rPr lang="en-US" sz="2400" dirty="0" err="1" smtClean="0"/>
@@ -4916,27 +5561,34 @@
             </a:r>
             <a:r>
               <a:rPr lang="en-US" sz="2400" dirty="0" smtClean="0"/>
-              <a:t>…</a:t>
+              <a:t>-value, </a:t>
+            </a:r>
+            <a:r>
+              <a:rPr lang="en-US" sz="2400" dirty="0" err="1" smtClean="0"/>
+              <a:t>regex-regex</a:t>
+            </a:r>
+            <a:r>
+              <a:rPr lang="en-US" sz="2400" dirty="0" smtClean="0"/>
+              <a:t>, filter…</a:t>
             </a:r>
           </a:p>
           <a:p>
             <a:r>
               <a:rPr lang="en-US" sz="2400" dirty="0"/>
-              <a:t>Invoked </a:t>
+              <a:t>Multiple</a:t>
             </a:r>
             <a:r>
               <a:rPr lang="en-US" sz="2400" dirty="0" smtClean="0"/>
-              <a:t>once per </a:t>
-            </a:r>
-            <a:r>
-              <a:rPr lang="en-US" sz="2400" dirty="0" err="1" smtClean="0"/>
-              <a:t>ruleset</a:t>
+              <a:t> Edge Engines </a:t>
+            </a:r>
+            <a:r>
+              <a:rPr lang="en-US" sz="2400" dirty="0"/>
+              <a:t>might be sequentially invoked.</a:t>
             </a:r>
             <a:r>
               <a:rPr lang="en-US" sz="2400" dirty="0" smtClean="0"/>
-              <a:t>.</a:t>
-            </a:r>
-            <a:endParaRPr lang="en-US" sz="2400" dirty="0"/>
+              <a:t> </a:t>
+            </a:r>
           </a:p>
           <a:p>
             <a:pPr>
@@ -4997,6 +5649,536 @@
           <a:p>
             <a:r>
               <a:rPr lang="en-US" dirty="0" smtClean="0"/>
+              <a:t>Graph Engine</a:t>
+            </a:r>
+            <a:endParaRPr lang="en-US" dirty="0"/>
+          </a:p>
+        </p:txBody>
+      </p:sp>
+      <p:sp>
+        <p:nvSpPr>
+          <p:cNvPr id="3" name="Content Placeholder 2"/>
+          <p:cNvSpPr>
+            <a:spLocks noGrp="1"/>
+          </p:cNvSpPr>
+          <p:nvPr>
+            <p:ph idx="1"/>
+          </p:nvPr>
+        </p:nvSpPr>
+        <p:spPr/>
+        <p:txBody>
+          <a:bodyPr/>
+          <a:lstStyle/>
+          <a:p>
+            <a:pPr>
+              <a:buNone/>
+            </a:pPr>
+            <a:r>
+              <a:rPr lang="en-US" sz="1600" dirty="0" smtClean="0">
+                <a:latin typeface="Courier New"/>
+                <a:cs typeface="Courier New"/>
+              </a:rPr>
+              <a:t>interface </a:t>
+            </a:r>
+            <a:r>
+              <a:rPr lang="en-US" sz="1600" dirty="0" err="1" smtClean="0">
+                <a:latin typeface="Courier New"/>
+                <a:cs typeface="Courier New"/>
+              </a:rPr>
+              <a:t>IGraphEngine</a:t>
+            </a:r>
+            <a:r>
+              <a:rPr lang="en-US" sz="1600" dirty="0" smtClean="0">
+                <a:latin typeface="Courier New"/>
+                <a:cs typeface="Courier New"/>
+              </a:rPr>
+              <a:t> {</a:t>
+            </a:r>
+          </a:p>
+          <a:p>
+            <a:pPr>
+              <a:buNone/>
+            </a:pPr>
+            <a:r>
+              <a:rPr lang="en-US" sz="1600" dirty="0" smtClean="0">
+                <a:latin typeface="Courier New"/>
+                <a:cs typeface="Courier New"/>
+              </a:rPr>
+              <a:t>	</a:t>
+            </a:r>
+            <a:r>
+              <a:rPr lang="en-US" sz="1600" dirty="0" err="1" smtClean="0">
+                <a:latin typeface="Courier New"/>
+                <a:cs typeface="Courier New"/>
+              </a:rPr>
+              <a:t>ArchiCopGraph</a:t>
+            </a:r>
+            <a:r>
+              <a:rPr lang="en-US" sz="1600" dirty="0" smtClean="0">
+                <a:latin typeface="Courier New"/>
+                <a:cs typeface="Courier New"/>
+              </a:rPr>
+              <a:t> </a:t>
+            </a:r>
+            <a:r>
+              <a:rPr lang="en-US" sz="1600" dirty="0" err="1" smtClean="0">
+                <a:latin typeface="Courier New"/>
+                <a:cs typeface="Courier New"/>
+              </a:rPr>
+              <a:t>CreateGraph(IEnumerable</a:t>
+            </a:r>
+            <a:r>
+              <a:rPr lang="en-US" sz="1600" dirty="0" smtClean="0">
+                <a:latin typeface="Courier New"/>
+                <a:cs typeface="Courier New"/>
+              </a:rPr>
+              <a:t>&lt;</a:t>
+            </a:r>
+            <a:r>
+              <a:rPr lang="en-US" sz="1600" dirty="0" err="1" smtClean="0">
+                <a:latin typeface="Courier New"/>
+                <a:cs typeface="Courier New"/>
+              </a:rPr>
+              <a:t>ArchicopEdge</a:t>
+            </a:r>
+            <a:r>
+              <a:rPr lang="en-US" sz="1600" dirty="0" smtClean="0">
+                <a:latin typeface="Courier New"/>
+                <a:cs typeface="Courier New"/>
+              </a:rPr>
+              <a:t>&gt; edges);</a:t>
+            </a:r>
+          </a:p>
+          <a:p>
+            <a:pPr>
+              <a:buNone/>
+            </a:pPr>
+            <a:r>
+              <a:rPr lang="en-US" sz="1600" dirty="0" smtClean="0">
+                <a:latin typeface="Courier New"/>
+                <a:cs typeface="Courier New"/>
+              </a:rPr>
+              <a:t>}</a:t>
+            </a:r>
+          </a:p>
+          <a:p>
+            <a:r>
+              <a:rPr lang="en-US" sz="2400" dirty="0" smtClean="0"/>
+              <a:t>Creates a graph from a </a:t>
+            </a:r>
+            <a:r>
+              <a:rPr lang="en-US" sz="2400" dirty="0"/>
+              <a:t>given list of </a:t>
+            </a:r>
+            <a:r>
+              <a:rPr lang="en-US" sz="2400" dirty="0" smtClean="0"/>
+              <a:t>edges. </a:t>
+            </a:r>
+          </a:p>
+          <a:p>
+            <a:r>
+              <a:rPr lang="en-US" sz="2400" dirty="0" smtClean="0"/>
+              <a:t>Invoked once per graph.</a:t>
+            </a:r>
+          </a:p>
+          <a:p>
+            <a:pPr>
+              <a:buNone/>
+            </a:pPr>
+            <a:endParaRPr lang="en-US" sz="2400" dirty="0" smtClean="0"/>
+          </a:p>
+          <a:p>
+            <a:pPr>
+              <a:buNone/>
+            </a:pPr>
+            <a:endParaRPr lang="en-US" sz="1600" dirty="0" smtClean="0">
+              <a:latin typeface="Courier New"/>
+              <a:cs typeface="Courier New"/>
+            </a:endParaRPr>
+          </a:p>
+          <a:p>
+            <a:pPr>
+              <a:buNone/>
+            </a:pPr>
+            <a:endParaRPr lang="en-US" dirty="0" smtClean="0"/>
+          </a:p>
+        </p:txBody>
+      </p:sp>
+    </p:spTree>
+  </p:cSld>
+  <p:clrMapOvr>
+    <a:masterClrMapping/>
+  </p:clrMapOvr>
+</p:sld>
+</file>
+
+<file path=ppt/slides/slide8.xml><?xml version="1.0" encoding="utf-8"?>
+<p:sld xmlns:a="http://schemas.openxmlformats.org/drawingml/2006/main" xmlns:r="http://schemas.openxmlformats.org/officeDocument/2006/relationships" xmlns:p="http://schemas.openxmlformats.org/presentationml/2006/main">
+  <p:cSld>
+    <p:spTree>
+      <p:nvGrpSpPr>
+        <p:cNvPr id="1" name=""/>
+        <p:cNvGrpSpPr/>
+        <p:nvPr/>
+      </p:nvGrpSpPr>
+      <p:grpSpPr>
+        <a:xfrm>
+          <a:off x="0" y="0"/>
+          <a:ext cx="0" cy="0"/>
+          <a:chOff x="0" y="0"/>
+          <a:chExt cx="0" cy="0"/>
+        </a:xfrm>
+      </p:grpSpPr>
+      <p:sp>
+        <p:nvSpPr>
+          <p:cNvPr id="2" name="Title 1"/>
+          <p:cNvSpPr>
+            <a:spLocks noGrp="1"/>
+          </p:cNvSpPr>
+          <p:nvPr>
+            <p:ph type="title"/>
+          </p:nvPr>
+        </p:nvSpPr>
+        <p:spPr/>
+        <p:txBody>
+          <a:bodyPr/>
+          <a:lstStyle/>
+          <a:p>
+            <a:r>
+              <a:rPr lang="en-US" dirty="0" smtClean="0"/>
+              <a:t>Rule Engine</a:t>
+            </a:r>
+            <a:endParaRPr lang="en-US" dirty="0"/>
+          </a:p>
+        </p:txBody>
+      </p:sp>
+      <p:sp>
+        <p:nvSpPr>
+          <p:cNvPr id="3" name="Content Placeholder 2"/>
+          <p:cNvSpPr>
+            <a:spLocks noGrp="1"/>
+          </p:cNvSpPr>
+          <p:nvPr>
+            <p:ph idx="1"/>
+          </p:nvPr>
+        </p:nvSpPr>
+        <p:spPr>
+          <a:xfrm>
+            <a:off x="457200" y="1600200"/>
+            <a:ext cx="8534400" cy="4525963"/>
+          </a:xfrm>
+        </p:spPr>
+        <p:txBody>
+          <a:bodyPr/>
+          <a:lstStyle/>
+          <a:p>
+            <a:pPr>
+              <a:buNone/>
+            </a:pPr>
+            <a:r>
+              <a:rPr lang="en-US" sz="1600" dirty="0" smtClean="0">
+                <a:latin typeface="Courier New"/>
+                <a:cs typeface="Courier New"/>
+              </a:rPr>
+              <a:t>interface </a:t>
+            </a:r>
+            <a:r>
+              <a:rPr lang="en-US" sz="1600" dirty="0" err="1" smtClean="0">
+                <a:latin typeface="Courier New"/>
+                <a:cs typeface="Courier New"/>
+              </a:rPr>
+              <a:t>IRuleEngine</a:t>
+            </a:r>
+            <a:r>
+              <a:rPr lang="en-US" sz="1600" dirty="0" smtClean="0">
+                <a:latin typeface="Courier New"/>
+                <a:cs typeface="Courier New"/>
+              </a:rPr>
+              <a:t> {</a:t>
+            </a:r>
+          </a:p>
+          <a:p>
+            <a:pPr>
+              <a:buNone/>
+            </a:pPr>
+            <a:r>
+              <a:rPr lang="en-US" sz="1600" dirty="0" smtClean="0">
+                <a:latin typeface="Courier New"/>
+                <a:cs typeface="Courier New"/>
+              </a:rPr>
+              <a:t>	</a:t>
+            </a:r>
+            <a:r>
+              <a:rPr lang="en-US" sz="1600" dirty="0" err="1" smtClean="0">
+                <a:latin typeface="Courier New"/>
+                <a:cs typeface="Courier New"/>
+              </a:rPr>
+              <a:t>IEnumerable</a:t>
+            </a:r>
+            <a:r>
+              <a:rPr lang="en-US" sz="1600" dirty="0" smtClean="0">
+                <a:latin typeface="Courier New"/>
+                <a:cs typeface="Courier New"/>
+              </a:rPr>
+              <a:t>&lt;string&gt; </a:t>
+            </a:r>
+            <a:r>
+              <a:rPr lang="en-US" sz="1600" dirty="0" err="1" smtClean="0">
+                <a:latin typeface="Courier New"/>
+                <a:cs typeface="Courier New"/>
+              </a:rPr>
+              <a:t>GetInfos(IEnumerable</a:t>
+            </a:r>
+            <a:r>
+              <a:rPr lang="en-US" sz="1600" dirty="0" smtClean="0">
+                <a:latin typeface="Courier New"/>
+                <a:cs typeface="Courier New"/>
+              </a:rPr>
+              <a:t>&lt;</a:t>
+            </a:r>
+            <a:r>
+              <a:rPr lang="en-US" sz="1600" dirty="0" err="1" smtClean="0">
+                <a:latin typeface="Courier New"/>
+                <a:cs typeface="Courier New"/>
+              </a:rPr>
+              <a:t>ArchicopEdge</a:t>
+            </a:r>
+            <a:r>
+              <a:rPr lang="en-US" sz="1600" dirty="0" smtClean="0">
+                <a:latin typeface="Courier New"/>
+                <a:cs typeface="Courier New"/>
+              </a:rPr>
+              <a:t>&gt; edges);</a:t>
+            </a:r>
+          </a:p>
+          <a:p>
+            <a:pPr>
+              <a:buNone/>
+            </a:pPr>
+            <a:r>
+              <a:rPr lang="en-US" sz="1600" dirty="0" smtClean="0">
+                <a:latin typeface="Courier New"/>
+                <a:cs typeface="Courier New"/>
+              </a:rPr>
+              <a:t>	</a:t>
+            </a:r>
+            <a:r>
+              <a:rPr lang="en-US" sz="1600" dirty="0" err="1" smtClean="0">
+                <a:latin typeface="Courier New"/>
+                <a:cs typeface="Courier New"/>
+              </a:rPr>
+              <a:t>IEnumerable</a:t>
+            </a:r>
+            <a:r>
+              <a:rPr lang="en-US" sz="1600" dirty="0" smtClean="0">
+                <a:latin typeface="Courier New"/>
+                <a:cs typeface="Courier New"/>
+              </a:rPr>
+              <a:t>&lt;string&gt; </a:t>
+            </a:r>
+            <a:r>
+              <a:rPr lang="en-US" sz="1600" dirty="0" err="1" smtClean="0">
+                <a:latin typeface="Courier New"/>
+                <a:cs typeface="Courier New"/>
+              </a:rPr>
+              <a:t>GetWarnings(IEnumerable</a:t>
+            </a:r>
+            <a:r>
+              <a:rPr lang="en-US" sz="1600" dirty="0" smtClean="0">
+                <a:latin typeface="Courier New"/>
+                <a:cs typeface="Courier New"/>
+              </a:rPr>
+              <a:t>&lt;</a:t>
+            </a:r>
+            <a:r>
+              <a:rPr lang="en-US" sz="1600" dirty="0" err="1" smtClean="0">
+                <a:latin typeface="Courier New"/>
+                <a:cs typeface="Courier New"/>
+              </a:rPr>
+              <a:t>ArchicopEdge</a:t>
+            </a:r>
+            <a:r>
+              <a:rPr lang="en-US" sz="1600" dirty="0" smtClean="0">
+                <a:latin typeface="Courier New"/>
+                <a:cs typeface="Courier New"/>
+              </a:rPr>
+              <a:t>&gt; edges);</a:t>
+            </a:r>
+          </a:p>
+          <a:p>
+            <a:pPr>
+              <a:buNone/>
+            </a:pPr>
+            <a:r>
+              <a:rPr lang="en-US" sz="1600" dirty="0" smtClean="0">
+                <a:latin typeface="Courier New"/>
+                <a:cs typeface="Courier New"/>
+              </a:rPr>
+              <a:t>	</a:t>
+            </a:r>
+            <a:r>
+              <a:rPr lang="en-US" sz="1600" dirty="0" err="1" smtClean="0">
+                <a:latin typeface="Courier New"/>
+                <a:cs typeface="Courier New"/>
+              </a:rPr>
+              <a:t>IEnumerable</a:t>
+            </a:r>
+            <a:r>
+              <a:rPr lang="en-US" sz="1600" dirty="0" smtClean="0">
+                <a:latin typeface="Courier New"/>
+                <a:cs typeface="Courier New"/>
+              </a:rPr>
+              <a:t>&lt;string&gt; </a:t>
+            </a:r>
+            <a:r>
+              <a:rPr lang="en-US" sz="1600" dirty="0" err="1" smtClean="0">
+                <a:latin typeface="Courier New"/>
+                <a:cs typeface="Courier New"/>
+              </a:rPr>
+              <a:t>GetErrors(IEnumerable</a:t>
+            </a:r>
+            <a:r>
+              <a:rPr lang="en-US" sz="1600" dirty="0" smtClean="0">
+                <a:latin typeface="Courier New"/>
+                <a:cs typeface="Courier New"/>
+              </a:rPr>
+              <a:t>&lt;</a:t>
+            </a:r>
+            <a:r>
+              <a:rPr lang="en-US" sz="1600" dirty="0" err="1" smtClean="0">
+                <a:latin typeface="Courier New"/>
+                <a:cs typeface="Courier New"/>
+              </a:rPr>
+              <a:t>ArchicopEdge</a:t>
+            </a:r>
+            <a:r>
+              <a:rPr lang="en-US" sz="1600" dirty="0" smtClean="0">
+                <a:latin typeface="Courier New"/>
+                <a:cs typeface="Courier New"/>
+              </a:rPr>
+              <a:t>&gt; edges);</a:t>
+            </a:r>
+          </a:p>
+          <a:p>
+            <a:pPr>
+              <a:buNone/>
+            </a:pPr>
+            <a:r>
+              <a:rPr lang="en-US" sz="1600" dirty="0" smtClean="0">
+                <a:latin typeface="Courier New"/>
+                <a:cs typeface="Courier New"/>
+              </a:rPr>
+              <a:t>}</a:t>
+            </a:r>
+          </a:p>
+          <a:p>
+            <a:r>
+              <a:rPr lang="en-US" sz="2400" dirty="0" smtClean="0"/>
+              <a:t>Runs rule check against </a:t>
+            </a:r>
+            <a:r>
+              <a:rPr lang="en-US" sz="2400" dirty="0"/>
+              <a:t>a given list of edges.</a:t>
+            </a:r>
+            <a:r>
+              <a:rPr lang="en-US" sz="2400" dirty="0" smtClean="0"/>
+              <a:t> Typical rules: graph </a:t>
+            </a:r>
+            <a:r>
+              <a:rPr lang="en-US" sz="2400" dirty="0" err="1" smtClean="0"/>
+              <a:t>vs</a:t>
+            </a:r>
+            <a:r>
+              <a:rPr lang="en-US" sz="2400" dirty="0" smtClean="0"/>
+              <a:t> graph, cycles, </a:t>
+            </a:r>
+            <a:r>
+              <a:rPr lang="en-US" sz="2400" dirty="0" err="1" smtClean="0"/>
+              <a:t>regex</a:t>
+            </a:r>
+            <a:r>
+              <a:rPr lang="en-US" sz="2400" dirty="0" smtClean="0"/>
+              <a:t>…</a:t>
+            </a:r>
+          </a:p>
+          <a:p>
+            <a:r>
+              <a:rPr lang="en-US" sz="2400" dirty="0"/>
+              <a:t>Invoked </a:t>
+            </a:r>
+            <a:r>
+              <a:rPr lang="en-US" sz="2400" dirty="0" smtClean="0"/>
+              <a:t>once per </a:t>
+            </a:r>
+            <a:r>
+              <a:rPr lang="en-US" sz="2400" dirty="0" err="1" smtClean="0"/>
+              <a:t>ruleset</a:t>
+            </a:r>
+            <a:r>
+              <a:rPr lang="en-US" sz="2400" dirty="0" smtClean="0"/>
+              <a:t>.</a:t>
+            </a:r>
+            <a:endParaRPr lang="en-US" sz="2400" dirty="0"/>
+          </a:p>
+          <a:p>
+            <a:pPr>
+              <a:buNone/>
+            </a:pPr>
+            <a:endParaRPr lang="en-US" sz="1600" dirty="0" smtClean="0">
+              <a:latin typeface="Courier New"/>
+              <a:cs typeface="Courier New"/>
+            </a:endParaRPr>
+          </a:p>
+          <a:p>
+            <a:pPr>
+              <a:buNone/>
+            </a:pPr>
+            <a:endParaRPr lang="en-US" dirty="0" smtClean="0"/>
+          </a:p>
+        </p:txBody>
+      </p:sp>
+    </p:spTree>
+  </p:cSld>
+  <p:clrMapOvr>
+    <a:masterClrMapping/>
+  </p:clrMapOvr>
+</p:sld>
+</file>
+
+<file path=ppt/slides/slide9.xml><?xml version="1.0" encoding="utf-8"?>
+<p:sld xmlns:a="http://schemas.openxmlformats.org/drawingml/2006/main" xmlns:r="http://schemas.openxmlformats.org/officeDocument/2006/relationships" xmlns:p="http://schemas.openxmlformats.org/presentationml/2006/main">
+  <p:cSld>
+    <p:spTree>
+      <p:nvGrpSpPr>
+        <p:cNvPr id="1" name=""/>
+        <p:cNvGrpSpPr/>
+        <p:nvPr/>
+      </p:nvGrpSpPr>
+      <p:grpSpPr>
+        <a:xfrm>
+          <a:off x="0" y="0"/>
+          <a:ext cx="0" cy="0"/>
+          <a:chOff x="0" y="0"/>
+          <a:chExt cx="0" cy="0"/>
+        </a:xfrm>
+      </p:grpSpPr>
+      <p:sp>
+        <p:nvSpPr>
+          <p:cNvPr id="2" name="Title 1"/>
+          <p:cNvSpPr>
+            <a:spLocks noGrp="1"/>
+          </p:cNvSpPr>
+          <p:nvPr>
+            <p:ph type="title"/>
+          </p:nvPr>
+        </p:nvSpPr>
+        <p:spPr/>
+        <p:txBody>
+          <a:bodyPr/>
+          <a:lstStyle/>
+          <a:p>
+            <a:r>
+              <a:rPr lang="en-US" dirty="0" smtClean="0"/>
               <a:t>Stats Engine</a:t>
             </a:r>
             <a:endParaRPr lang="en-US" dirty="0"/>
@@ -5199,8 +6381,9 @@
 <p:tagLst xmlns:a="http://schemas.openxmlformats.org/drawingml/2006/main" xmlns:r="http://schemas.openxmlformats.org/officeDocument/2006/relationships" xmlns:p="http://schemas.openxmlformats.org/presentationml/2006/main">
   <p:tag name="VARPPTCOMPATIBLERD03" val="RXP"/>
   <p:tag name="VARPPTTYPE" val="RXP"/>
-  <p:tag name="VARSAVEMESSAGETIMESTAMP" val="RXP"/>
   <p:tag name="VARPPTSLIDEFORMAT" val="RXP"/>
+  <p:tag name="VARPPTCOMPATIBLE4" val="RXP"/>
+  <p:tag name="VARSAVEMESSAGETIMESTAMP" val="RXP24.01.2013"/>
 </p:tagLst>
 </file>
 
